--- a/reference_material/slides/017_cards_intro_review.pptx
+++ b/reference_material/slides/017_cards_intro_review.pptx
@@ -11,15 +11,17 @@
     <p:sldId id="259" r:id="rId5"/>
     <p:sldId id="260" r:id="rId6"/>
     <p:sldId id="261" r:id="rId7"/>
-    <p:sldId id="262" r:id="rId8"/>
-    <p:sldId id="263" r:id="rId9"/>
-    <p:sldId id="264" r:id="rId10"/>
-    <p:sldId id="268" r:id="rId11"/>
-    <p:sldId id="265" r:id="rId12"/>
-    <p:sldId id="266" r:id="rId13"/>
-    <p:sldId id="267" r:id="rId14"/>
-    <p:sldId id="269" r:id="rId15"/>
-    <p:sldId id="270" r:id="rId16"/>
+    <p:sldId id="271" r:id="rId8"/>
+    <p:sldId id="262" r:id="rId9"/>
+    <p:sldId id="263" r:id="rId10"/>
+    <p:sldId id="264" r:id="rId11"/>
+    <p:sldId id="268" r:id="rId12"/>
+    <p:sldId id="265" r:id="rId13"/>
+    <p:sldId id="266" r:id="rId14"/>
+    <p:sldId id="272" r:id="rId15"/>
+    <p:sldId id="267" r:id="rId16"/>
+    <p:sldId id="269" r:id="rId17"/>
+    <p:sldId id="270" r:id="rId18"/>
   </p:sldIdLst>
   <p:sldSz cx="12192000" cy="6858000"/>
   <p:notesSz cx="6858000" cy="9144000"/>
@@ -3730,7 +3732,7 @@
           <p:cNvPr id="2" name="Title 1">
             <a:extLst>
               <a:ext uri="{FF2B5EF4-FFF2-40B4-BE49-F238E27FC236}">
-                <a16:creationId xmlns:a16="http://schemas.microsoft.com/office/drawing/2014/main" id="{6B92C059-9765-28D8-D991-0CD481884611}"/>
+                <a16:creationId xmlns:a16="http://schemas.microsoft.com/office/drawing/2014/main" id="{4F14CFF7-0470-431C-B694-81788D180F8E}"/>
               </a:ext>
             </a:extLst>
           </p:cNvPr>
@@ -3748,7 +3750,7 @@
           <a:p>
             <a:r>
               <a:rPr lang="en-US" dirty="0"/>
-              <a:t>Card Test and construction Note</a:t>
+              <a:t>Cards</a:t>
             </a:r>
           </a:p>
         </p:txBody>
@@ -3758,7 +3760,7 @@
           <p:cNvPr id="3" name="Content Placeholder 2">
             <a:extLst>
               <a:ext uri="{FF2B5EF4-FFF2-40B4-BE49-F238E27FC236}">
-                <a16:creationId xmlns:a16="http://schemas.microsoft.com/office/drawing/2014/main" id="{D3EC3352-49F5-49EA-ECBC-0BE2653B9CFD}"/>
+                <a16:creationId xmlns:a16="http://schemas.microsoft.com/office/drawing/2014/main" id="{5F6CCF3F-365D-A794-DF44-C7FA6BCFEB05}"/>
               </a:ext>
             </a:extLst>
           </p:cNvPr>
@@ -3771,8 +3773,8 @@
         </p:nvSpPr>
         <p:spPr>
           <a:xfrm>
-            <a:off x="1451579" y="2015732"/>
-            <a:ext cx="9603275" cy="4037749"/>
+            <a:off x="1451579" y="1932496"/>
+            <a:ext cx="9603275" cy="4120986"/>
           </a:xfrm>
         </p:spPr>
         <p:txBody>
@@ -3781,57 +3783,86 @@
           <a:p>
             <a:r>
               <a:rPr lang="en-US" dirty="0"/>
-              <a:t>In our current scheme, cards are very simple and very little is asked of them. </a:t>
-            </a:r>
-          </a:p>
-          <a:p>
-            <a:pPr lvl="1"/>
-            <a:r>
-              <a:rPr lang="en-US" dirty="0"/>
-              <a:t>They have two attributes. </a:t>
-            </a:r>
-          </a:p>
-          <a:p>
-            <a:pPr lvl="1"/>
-            <a:r>
-              <a:rPr lang="en-US" dirty="0"/>
-              <a:t>They can be compared based on those attributes. </a:t>
-            </a:r>
-          </a:p>
-          <a:p>
-            <a:r>
-              <a:rPr lang="en-US" dirty="0"/>
-              <a:t>As long as a card does this, it is good enough for us. </a:t>
-            </a:r>
-          </a:p>
-          <a:p>
-            <a:r>
-              <a:rPr lang="en-US" dirty="0"/>
-              <a:t>Everything else ”belongs” to some other part of playing poker. </a:t>
-            </a:r>
-          </a:p>
-          <a:p>
-            <a:pPr lvl="1"/>
-            <a:r>
-              <a:rPr lang="en-US" dirty="0"/>
-              <a:t>E.g. a card doesn’t know there can only be 5 of it in a hand, 52 of it in a deck, or that there are 5 same suited ones in a flush. </a:t>
-            </a:r>
-          </a:p>
-          <a:p>
-            <a:r>
-              <a:rPr lang="en-US" dirty="0"/>
-              <a:t>Keeping attributes/functionality “with its owner” makes constructing large things easier. </a:t>
-            </a:r>
-          </a:p>
-          <a:p>
-            <a:endParaRPr lang="en-US" dirty="0"/>
+              <a:t>A card is an object that everything else is build on, it has:</a:t>
+            </a:r>
+          </a:p>
+          <a:p>
+            <a:pPr lvl="1"/>
+            <a:r>
+              <a:rPr lang="en-US" dirty="0"/>
+              <a:t>Attributes – suit and value. </a:t>
+            </a:r>
+          </a:p>
+          <a:p>
+            <a:pPr lvl="1"/>
+            <a:r>
+              <a:rPr lang="en-US" dirty="0"/>
+              <a:t>Methods – print and compare. </a:t>
+            </a:r>
+          </a:p>
+          <a:p>
+            <a:r>
+              <a:rPr lang="en-US" dirty="0"/>
+              <a:t>We need to have a card that can generate a string that is usable for a ‘game’. </a:t>
+            </a:r>
+          </a:p>
+          <a:p>
+            <a:pPr lvl="1"/>
+            <a:r>
+              <a:rPr lang="en-US" dirty="0"/>
+              <a:t>Test by inspection. </a:t>
+            </a:r>
+          </a:p>
+          <a:p>
+            <a:r>
+              <a:rPr lang="en-US" dirty="0"/>
+              <a:t>We need to have cards that can have their values compared:</a:t>
+            </a:r>
+          </a:p>
+          <a:p>
+            <a:pPr lvl="1"/>
+            <a:r>
+              <a:rPr lang="en-US" dirty="0"/>
+              <a:t>Each card has a value, and the relative values are important here. </a:t>
+            </a:r>
+          </a:p>
+          <a:p>
+            <a:pPr lvl="1"/>
+            <a:r>
+              <a:rPr lang="en-US" dirty="0"/>
+              <a:t>Test by defining </a:t>
+            </a:r>
+            <a:r>
+              <a:rPr lang="en-US" dirty="0" err="1"/>
+              <a:t>lt</a:t>
+            </a:r>
+            <a:r>
+              <a:rPr lang="en-US" dirty="0"/>
+              <a:t>/</a:t>
+            </a:r>
+            <a:r>
+              <a:rPr lang="en-US" dirty="0" err="1"/>
+              <a:t>gt</a:t>
+            </a:r>
+            <a:r>
+              <a:rPr lang="en-US" dirty="0"/>
+              <a:t>/eq and testing that sorting is correct in order (</a:t>
+            </a:r>
+            <a:r>
+              <a:rPr lang="en-US" dirty="0" err="1"/>
+              <a:t>wrt</a:t>
+            </a:r>
+            <a:r>
+              <a:rPr lang="en-US" dirty="0"/>
+              <a:t> poker reality). </a:t>
+            </a:r>
           </a:p>
         </p:txBody>
       </p:sp>
     </p:spTree>
     <p:extLst>
       <p:ext uri="{BB962C8B-B14F-4D97-AF65-F5344CB8AC3E}">
-        <p14:creationId xmlns:p14="http://schemas.microsoft.com/office/powerpoint/2010/main" val="3778618300"/>
+        <p14:creationId xmlns:p14="http://schemas.microsoft.com/office/powerpoint/2010/main" val="2558290909"/>
       </p:ext>
     </p:extLst>
   </p:cSld>
@@ -3863,7 +3894,7 @@
           <p:cNvPr id="2" name="Title 1">
             <a:extLst>
               <a:ext uri="{FF2B5EF4-FFF2-40B4-BE49-F238E27FC236}">
-                <a16:creationId xmlns:a16="http://schemas.microsoft.com/office/drawing/2014/main" id="{7996CD28-A71C-4CA0-815E-3A10B8C55210}"/>
+                <a16:creationId xmlns:a16="http://schemas.microsoft.com/office/drawing/2014/main" id="{6B92C059-9765-28D8-D991-0CD481884611}"/>
               </a:ext>
             </a:extLst>
           </p:cNvPr>
@@ -3881,7 +3912,7 @@
           <a:p>
             <a:r>
               <a:rPr lang="en-US" dirty="0"/>
-              <a:t>Decks</a:t>
+              <a:t>Card Test and construction Note</a:t>
             </a:r>
           </a:p>
         </p:txBody>
@@ -3891,7 +3922,7 @@
           <p:cNvPr id="3" name="Content Placeholder 2">
             <a:extLst>
               <a:ext uri="{FF2B5EF4-FFF2-40B4-BE49-F238E27FC236}">
-                <a16:creationId xmlns:a16="http://schemas.microsoft.com/office/drawing/2014/main" id="{0D46D1FB-47C8-10FB-413F-E16EF89F93A2}"/>
+                <a16:creationId xmlns:a16="http://schemas.microsoft.com/office/drawing/2014/main" id="{D3EC3352-49F5-49EA-ECBC-0BE2653B9CFD}"/>
               </a:ext>
             </a:extLst>
           </p:cNvPr>
@@ -3904,8 +3935,8 @@
         </p:nvSpPr>
         <p:spPr>
           <a:xfrm>
-            <a:off x="1451579" y="1853754"/>
-            <a:ext cx="9603275" cy="4199727"/>
+            <a:off x="1451579" y="2015732"/>
+            <a:ext cx="9603275" cy="4037749"/>
           </a:xfrm>
         </p:spPr>
         <p:txBody>
@@ -3914,92 +3945,57 @@
           <a:p>
             <a:r>
               <a:rPr lang="en-US" dirty="0"/>
-              <a:t>Decks are compilations of cards, having:</a:t>
-            </a:r>
-          </a:p>
-          <a:p>
-            <a:pPr lvl="1"/>
-            <a:r>
-              <a:rPr lang="en-US" dirty="0"/>
-              <a:t>Attributes: the collection of cards currently in the deck. </a:t>
-            </a:r>
-          </a:p>
-          <a:p>
-            <a:pPr lvl="1"/>
-            <a:r>
-              <a:rPr lang="en-US" dirty="0"/>
-              <a:t>Methods: shuffle, deal, print, sort/compare(?), next (iteration), </a:t>
-            </a:r>
-            <a:r>
-              <a:rPr lang="en-US" dirty="0" err="1"/>
-              <a:t>etc</a:t>
-            </a:r>
-            <a:r>
-              <a:rPr lang="en-US" dirty="0"/>
-              <a:t>…</a:t>
-            </a:r>
-          </a:p>
-          <a:p>
-            <a:r>
-              <a:rPr lang="en-US" dirty="0"/>
-              <a:t>Deck needs to be able to do what is needed of it in a poker game. </a:t>
-            </a:r>
-          </a:p>
-          <a:p>
-            <a:pPr lvl="1"/>
-            <a:r>
-              <a:rPr lang="en-US" dirty="0"/>
-              <a:t>“Fresh deck”, shuffle, deal, print. </a:t>
-            </a:r>
-          </a:p>
-          <a:p>
-            <a:r>
-              <a:rPr lang="en-US" dirty="0"/>
-              <a:t>How can we verify this works?</a:t>
-            </a:r>
-          </a:p>
-          <a:p>
-            <a:pPr lvl="1"/>
-            <a:r>
-              <a:rPr lang="en-US" dirty="0"/>
-              <a:t>Create a full deck, check that it is full. </a:t>
-            </a:r>
-          </a:p>
-          <a:p>
-            <a:pPr lvl="1"/>
-            <a:r>
-              <a:rPr lang="en-US" dirty="0"/>
-              <a:t>Shuffle, check order is different. </a:t>
-            </a:r>
-          </a:p>
-          <a:p>
-            <a:pPr lvl="1"/>
-            <a:r>
-              <a:rPr lang="en-US" dirty="0"/>
-              <a:t>Deal some hands, check that the deck is missing cards, those are in hands. </a:t>
-            </a:r>
-          </a:p>
-          <a:p>
-            <a:pPr lvl="1"/>
-            <a:r>
-              <a:rPr lang="en-US" dirty="0"/>
-              <a:t>“Refresh” in some way to deal the next hand (new deck? Reset values, </a:t>
-            </a:r>
-            <a:r>
-              <a:rPr lang="en-US" dirty="0" err="1"/>
-              <a:t>etc</a:t>
-            </a:r>
-            <a:r>
-              <a:rPr lang="en-US" dirty="0"/>
-              <a:t>…)</a:t>
-            </a:r>
+              <a:t>In our current scheme, cards are very simple and very little is asked of them. </a:t>
+            </a:r>
+          </a:p>
+          <a:p>
+            <a:pPr lvl="1"/>
+            <a:r>
+              <a:rPr lang="en-US" dirty="0"/>
+              <a:t>They have two attributes. </a:t>
+            </a:r>
+          </a:p>
+          <a:p>
+            <a:pPr lvl="1"/>
+            <a:r>
+              <a:rPr lang="en-US" dirty="0"/>
+              <a:t>They can be compared based on those attributes. </a:t>
+            </a:r>
+          </a:p>
+          <a:p>
+            <a:r>
+              <a:rPr lang="en-US" dirty="0"/>
+              <a:t>As long as a card does this, it is good enough for us. </a:t>
+            </a:r>
+          </a:p>
+          <a:p>
+            <a:r>
+              <a:rPr lang="en-US" dirty="0"/>
+              <a:t>Everything else ”belongs” to some other part of playing poker. </a:t>
+            </a:r>
+          </a:p>
+          <a:p>
+            <a:pPr lvl="1"/>
+            <a:r>
+              <a:rPr lang="en-US" dirty="0"/>
+              <a:t>E.g. a card doesn’t know there can only be 5 of it in a hand, 52 of it in a deck, or that there are 5 same suited ones in a flush. </a:t>
+            </a:r>
+          </a:p>
+          <a:p>
+            <a:r>
+              <a:rPr lang="en-US" dirty="0"/>
+              <a:t>Keeping attributes/functionality “with its owner” makes constructing large things easier. </a:t>
+            </a:r>
+          </a:p>
+          <a:p>
+            <a:endParaRPr lang="en-US" dirty="0"/>
           </a:p>
         </p:txBody>
       </p:sp>
     </p:spTree>
     <p:extLst>
       <p:ext uri="{BB962C8B-B14F-4D97-AF65-F5344CB8AC3E}">
-        <p14:creationId xmlns:p14="http://schemas.microsoft.com/office/powerpoint/2010/main" val="2235008999"/>
+        <p14:creationId xmlns:p14="http://schemas.microsoft.com/office/powerpoint/2010/main" val="3778618300"/>
       </p:ext>
     </p:extLst>
   </p:cSld>
@@ -4031,7 +4027,7 @@
           <p:cNvPr id="2" name="Title 1">
             <a:extLst>
               <a:ext uri="{FF2B5EF4-FFF2-40B4-BE49-F238E27FC236}">
-                <a16:creationId xmlns:a16="http://schemas.microsoft.com/office/drawing/2014/main" id="{30F3655E-9B32-EB21-20A5-80A12A594908}"/>
+                <a16:creationId xmlns:a16="http://schemas.microsoft.com/office/drawing/2014/main" id="{7996CD28-A71C-4CA0-815E-3A10B8C55210}"/>
               </a:ext>
             </a:extLst>
           </p:cNvPr>
@@ -4049,7 +4045,7 @@
           <a:p>
             <a:r>
               <a:rPr lang="en-US" dirty="0"/>
-              <a:t>Hands</a:t>
+              <a:t>Decks</a:t>
             </a:r>
           </a:p>
         </p:txBody>
@@ -4059,7 +4055,7 @@
           <p:cNvPr id="3" name="Content Placeholder 2">
             <a:extLst>
               <a:ext uri="{FF2B5EF4-FFF2-40B4-BE49-F238E27FC236}">
-                <a16:creationId xmlns:a16="http://schemas.microsoft.com/office/drawing/2014/main" id="{4887F7CE-14D4-CE28-E9A8-77D8A5F3F970}"/>
+                <a16:creationId xmlns:a16="http://schemas.microsoft.com/office/drawing/2014/main" id="{0D46D1FB-47C8-10FB-413F-E16EF89F93A2}"/>
               </a:ext>
             </a:extLst>
           </p:cNvPr>
@@ -4082,67 +4078,84 @@
           <a:p>
             <a:r>
               <a:rPr lang="en-US" dirty="0"/>
-              <a:t>Hands are a child of a deck, also a grouping of cards. </a:t>
-            </a:r>
-          </a:p>
-          <a:p>
-            <a:r>
-              <a:rPr lang="en-US" dirty="0"/>
-              <a:t>Differ from decks because they have a specific value for that hand in poker and size limit.</a:t>
-            </a:r>
-          </a:p>
-          <a:p>
-            <a:pPr lvl="1"/>
-            <a:r>
-              <a:rPr lang="en-US" dirty="0"/>
-              <a:t>The class should probably be named </a:t>
+              <a:t>Decks are compilations of cards, having:</a:t>
+            </a:r>
+          </a:p>
+          <a:p>
+            <a:pPr lvl="1"/>
+            <a:r>
+              <a:rPr lang="en-US" dirty="0"/>
+              <a:t>Attributes: the collection of cards currently in the deck. </a:t>
+            </a:r>
+          </a:p>
+          <a:p>
+            <a:pPr lvl="1"/>
+            <a:r>
+              <a:rPr lang="en-US" dirty="0"/>
+              <a:t>Methods: shuffle, deal, print, sort/compare(?), next (iteration), </a:t>
             </a:r>
             <a:r>
               <a:rPr lang="en-US" dirty="0" err="1"/>
-              <a:t>FiveCardStudHand</a:t>
-            </a:r>
-            <a:r>
-              <a:rPr lang="en-US" dirty="0"/>
-              <a:t> or similar to be accurate. </a:t>
-            </a:r>
-          </a:p>
-          <a:p>
-            <a:r>
-              <a:rPr lang="en-US" dirty="0"/>
-              <a:t>They must do everything a hand needs to do in poker. </a:t>
-            </a:r>
-          </a:p>
-          <a:p>
-            <a:pPr lvl="1"/>
-            <a:r>
-              <a:rPr lang="en-US" dirty="0"/>
-              <a:t>Compare values with other hands, add/remove cards, print. </a:t>
-            </a:r>
-          </a:p>
-          <a:p>
-            <a:pPr lvl="1"/>
-            <a:r>
-              <a:rPr lang="en-US" dirty="0"/>
-              <a:t>The betting rounds aren’t really connected to the hand, it just holds stuff. </a:t>
-            </a:r>
-          </a:p>
-          <a:p>
-            <a:r>
-              <a:rPr lang="en-US" dirty="0"/>
-              <a:t>How do we test that? </a:t>
-            </a:r>
-          </a:p>
-          <a:p>
-            <a:pPr lvl="1"/>
-            <a:r>
-              <a:rPr lang="en-US" dirty="0"/>
-              <a:t>Hands have poker values, sort of a set of hands for order checking. </a:t>
-            </a:r>
-          </a:p>
-          <a:p>
-            <a:r>
-              <a:rPr lang="en-US" dirty="0"/>
-              <a:t>Add/remove sounds like is a parental thing here, it is kind of like dealing?</a:t>
+              <a:t>etc</a:t>
+            </a:r>
+            <a:r>
+              <a:rPr lang="en-US" dirty="0"/>
+              <a:t>…</a:t>
+            </a:r>
+          </a:p>
+          <a:p>
+            <a:r>
+              <a:rPr lang="en-US" dirty="0"/>
+              <a:t>Deck needs to be able to do what is needed of it in a poker game. </a:t>
+            </a:r>
+          </a:p>
+          <a:p>
+            <a:pPr lvl="1"/>
+            <a:r>
+              <a:rPr lang="en-US" dirty="0"/>
+              <a:t>“Fresh deck”, shuffle, deal, print. </a:t>
+            </a:r>
+          </a:p>
+          <a:p>
+            <a:r>
+              <a:rPr lang="en-US" dirty="0"/>
+              <a:t>How can we verify this works?</a:t>
+            </a:r>
+          </a:p>
+          <a:p>
+            <a:pPr lvl="1"/>
+            <a:r>
+              <a:rPr lang="en-US" dirty="0"/>
+              <a:t>Create a full deck, check that it is full. </a:t>
+            </a:r>
+          </a:p>
+          <a:p>
+            <a:pPr lvl="1"/>
+            <a:r>
+              <a:rPr lang="en-US" dirty="0"/>
+              <a:t>Shuffle, check order is different. </a:t>
+            </a:r>
+          </a:p>
+          <a:p>
+            <a:pPr lvl="1"/>
+            <a:r>
+              <a:rPr lang="en-US" dirty="0"/>
+              <a:t>Deal some hands, check that the deck is missing cards, those are in hands. </a:t>
+            </a:r>
+          </a:p>
+          <a:p>
+            <a:pPr lvl="1"/>
+            <a:r>
+              <a:rPr lang="en-US" dirty="0"/>
+              <a:t>“Refresh” in some way to deal the next hand (new deck? Reset values, </a:t>
+            </a:r>
+            <a:r>
+              <a:rPr lang="en-US" dirty="0" err="1"/>
+              <a:t>etc</a:t>
+            </a:r>
+            <a:r>
+              <a:rPr lang="en-US" dirty="0"/>
+              <a:t>…)</a:t>
             </a:r>
           </a:p>
         </p:txBody>
@@ -4150,7 +4163,7 @@
     </p:spTree>
     <p:extLst>
       <p:ext uri="{BB962C8B-B14F-4D97-AF65-F5344CB8AC3E}">
-        <p14:creationId xmlns:p14="http://schemas.microsoft.com/office/powerpoint/2010/main" val="1438011908"/>
+        <p14:creationId xmlns:p14="http://schemas.microsoft.com/office/powerpoint/2010/main" val="2235008999"/>
       </p:ext>
     </p:extLst>
   </p:cSld>
@@ -4182,7 +4195,7 @@
           <p:cNvPr id="2" name="Title 1">
             <a:extLst>
               <a:ext uri="{FF2B5EF4-FFF2-40B4-BE49-F238E27FC236}">
-                <a16:creationId xmlns:a16="http://schemas.microsoft.com/office/drawing/2014/main" id="{48DC130A-1FE9-255D-F77B-DD64D940D517}"/>
+                <a16:creationId xmlns:a16="http://schemas.microsoft.com/office/drawing/2014/main" id="{30F3655E-9B32-EB21-20A5-80A12A594908}"/>
               </a:ext>
             </a:extLst>
           </p:cNvPr>
@@ -4200,7 +4213,7 @@
           <a:p>
             <a:r>
               <a:rPr lang="en-US" dirty="0"/>
-              <a:t>Let’s program!</a:t>
+              <a:t>Hands</a:t>
             </a:r>
           </a:p>
         </p:txBody>
@@ -4210,7 +4223,7 @@
           <p:cNvPr id="3" name="Content Placeholder 2">
             <a:extLst>
               <a:ext uri="{FF2B5EF4-FFF2-40B4-BE49-F238E27FC236}">
-                <a16:creationId xmlns:a16="http://schemas.microsoft.com/office/drawing/2014/main" id="{34C6CAB6-B727-D091-310D-02C9DC137AA2}"/>
+                <a16:creationId xmlns:a16="http://schemas.microsoft.com/office/drawing/2014/main" id="{4887F7CE-14D4-CE28-E9A8-77D8A5F3F970}"/>
               </a:ext>
             </a:extLst>
           </p:cNvPr>
@@ -4233,68 +4246,67 @@
           <a:p>
             <a:r>
               <a:rPr lang="en-US" dirty="0"/>
-              <a:t>We have a rough outline of what we need to get started. </a:t>
-            </a:r>
-          </a:p>
-          <a:p>
-            <a:r>
-              <a:rPr lang="en-US" dirty="0"/>
-              <a:t>If this works, we should be able to make a deck of cards, deal some hands, determine which one wins, and then ‘reset’ the game to be ready for another hand. </a:t>
-            </a:r>
-          </a:p>
-          <a:p>
-            <a:pPr lvl="1"/>
-            <a:r>
-              <a:rPr lang="en-US" dirty="0"/>
-              <a:t>Other concerns to test – size limits? Adding invalid cards? Comparing diff sized hands? </a:t>
-            </a:r>
-          </a:p>
-          <a:p>
-            <a:r>
-              <a:rPr lang="en-US" dirty="0"/>
-              <a:t>If these items and actions work, we can later use them to build a game. </a:t>
-            </a:r>
-          </a:p>
-          <a:p>
-            <a:pPr lvl="1"/>
-            <a:r>
-              <a:rPr lang="en-US" dirty="0"/>
-              <a:t>Games have players, players have banks, players hold hands, games have decks, </a:t>
+              <a:t>Hands are a child of a deck, also a grouping of cards. </a:t>
+            </a:r>
+          </a:p>
+          <a:p>
+            <a:r>
+              <a:rPr lang="en-US" dirty="0"/>
+              <a:t>Differ from decks because they have a specific value for that hand in poker and size limit.</a:t>
+            </a:r>
+          </a:p>
+          <a:p>
+            <a:pPr lvl="1"/>
+            <a:r>
+              <a:rPr lang="en-US" dirty="0"/>
+              <a:t>The class should probably be named </a:t>
             </a:r>
             <a:r>
               <a:rPr lang="en-US" dirty="0" err="1"/>
-              <a:t>etc</a:t>
-            </a:r>
-            <a:r>
-              <a:rPr lang="en-US" dirty="0"/>
-              <a:t>…</a:t>
-            </a:r>
-          </a:p>
-          <a:p>
-            <a:pPr lvl="1"/>
-            <a:r>
-              <a:rPr lang="en-US" dirty="0"/>
-              <a:t>If the components work, we can also make a different card game more easily, how?</a:t>
-            </a:r>
-          </a:p>
-          <a:p>
-            <a:r>
-              <a:rPr lang="en-US" dirty="0"/>
-              <a:t>Not everything is defined or solved yet, but we have a framework to build on. </a:t>
-            </a:r>
-          </a:p>
-          <a:p>
-            <a:r>
-              <a:rPr lang="en-US" dirty="0"/>
-              <a:t>If something is missing, does it belong here or elsewhere (player, game, </a:t>
-            </a:r>
-            <a:r>
-              <a:rPr lang="en-US" dirty="0" err="1"/>
-              <a:t>etc</a:t>
-            </a:r>
-            <a:r>
-              <a:rPr lang="en-US" dirty="0"/>
-              <a:t>…?)</a:t>
+              <a:t>FiveCardStudHand</a:t>
+            </a:r>
+            <a:r>
+              <a:rPr lang="en-US" dirty="0"/>
+              <a:t> or similar to be accurate. </a:t>
+            </a:r>
+          </a:p>
+          <a:p>
+            <a:r>
+              <a:rPr lang="en-US" dirty="0"/>
+              <a:t>They must do everything a hand needs to do in poker. </a:t>
+            </a:r>
+          </a:p>
+          <a:p>
+            <a:pPr lvl="1"/>
+            <a:r>
+              <a:rPr lang="en-US" dirty="0"/>
+              <a:t>Compare values with other hands, add/remove cards, print. </a:t>
+            </a:r>
+          </a:p>
+          <a:p>
+            <a:pPr lvl="1"/>
+            <a:r>
+              <a:rPr lang="en-US" dirty="0"/>
+              <a:t>The betting rounds aren’t really connected to the hand, it just holds stuff. </a:t>
+            </a:r>
+          </a:p>
+          <a:p>
+            <a:r>
+              <a:rPr lang="en-US" dirty="0"/>
+              <a:t>How do we test that? </a:t>
+            </a:r>
+          </a:p>
+          <a:p>
+            <a:pPr lvl="1"/>
+            <a:r>
+              <a:rPr lang="en-US" dirty="0"/>
+              <a:t>Hands have poker values, sort of a set of hands for order checking. </a:t>
+            </a:r>
+          </a:p>
+          <a:p>
+            <a:r>
+              <a:rPr lang="en-US" dirty="0"/>
+              <a:t>Add/remove sounds like is a parental thing here, it is kind of like dealing?</a:t>
             </a:r>
           </a:p>
         </p:txBody>
@@ -4302,7 +4314,7 @@
     </p:spTree>
     <p:extLst>
       <p:ext uri="{BB962C8B-B14F-4D97-AF65-F5344CB8AC3E}">
-        <p14:creationId xmlns:p14="http://schemas.microsoft.com/office/powerpoint/2010/main" val="2369848873"/>
+        <p14:creationId xmlns:p14="http://schemas.microsoft.com/office/powerpoint/2010/main" val="1438011908"/>
       </p:ext>
     </p:extLst>
   </p:cSld>
@@ -4334,6 +4346,396 @@
           <p:cNvPr id="2" name="Title 1">
             <a:extLst>
               <a:ext uri="{FF2B5EF4-FFF2-40B4-BE49-F238E27FC236}">
+                <a16:creationId xmlns:a16="http://schemas.microsoft.com/office/drawing/2014/main" id="{BF060A42-DFD3-8DA5-BDAC-72ADFA5C471E}"/>
+              </a:ext>
+            </a:extLst>
+          </p:cNvPr>
+          <p:cNvSpPr>
+            <a:spLocks noGrp="1"/>
+          </p:cNvSpPr>
+          <p:nvPr>
+            <p:ph type="title"/>
+          </p:nvPr>
+        </p:nvSpPr>
+        <p:spPr/>
+        <p:txBody>
+          <a:bodyPr/>
+          <a:lstStyle/>
+          <a:p>
+            <a:r>
+              <a:rPr lang="en-US" dirty="0"/>
+              <a:t>Implementation Station - </a:t>
+            </a:r>
+            <a:r>
+              <a:rPr lang="en-US" dirty="0" err="1"/>
+              <a:t>Iterable</a:t>
+            </a:r>
+            <a:endParaRPr lang="en-US" dirty="0"/>
+          </a:p>
+        </p:txBody>
+      </p:sp>
+      <p:sp>
+        <p:nvSpPr>
+          <p:cNvPr id="3" name="Content Placeholder 2">
+            <a:extLst>
+              <a:ext uri="{FF2B5EF4-FFF2-40B4-BE49-F238E27FC236}">
+                <a16:creationId xmlns:a16="http://schemas.microsoft.com/office/drawing/2014/main" id="{8105879C-AC69-8D98-1871-C28A635CE52F}"/>
+              </a:ext>
+            </a:extLst>
+          </p:cNvPr>
+          <p:cNvSpPr>
+            <a:spLocks noGrp="1"/>
+          </p:cNvSpPr>
+          <p:nvPr>
+            <p:ph idx="1"/>
+          </p:nvPr>
+        </p:nvSpPr>
+        <p:spPr>
+          <a:xfrm>
+            <a:off x="0" y="1853754"/>
+            <a:ext cx="7188638" cy="4199727"/>
+          </a:xfrm>
+        </p:spPr>
+        <p:txBody>
+          <a:bodyPr>
+            <a:normAutofit fontScale="92500"/>
+          </a:bodyPr>
+          <a:lstStyle/>
+          <a:p>
+            <a:r>
+              <a:rPr lang="en-US" dirty="0"/>
+              <a:t>We want our decks to be </a:t>
+            </a:r>
+            <a:r>
+              <a:rPr lang="en-US" dirty="0" err="1"/>
+              <a:t>iterables</a:t>
+            </a:r>
+            <a:r>
+              <a:rPr lang="en-US" dirty="0"/>
+              <a:t> – meaning we can loop through. </a:t>
+            </a:r>
+          </a:p>
+          <a:p>
+            <a:pPr lvl="1"/>
+            <a:r>
+              <a:rPr lang="en-US" dirty="0"/>
+              <a:t>For loops, and other functions, will work with </a:t>
+            </a:r>
+            <a:r>
+              <a:rPr lang="en-US" dirty="0" err="1"/>
+              <a:t>iterables</a:t>
+            </a:r>
+            <a:r>
+              <a:rPr lang="en-US" dirty="0"/>
+              <a:t> natively. </a:t>
+            </a:r>
+          </a:p>
+          <a:p>
+            <a:r>
+              <a:rPr lang="en-US" dirty="0" err="1"/>
+              <a:t>Iterable</a:t>
+            </a:r>
+            <a:r>
+              <a:rPr lang="en-US" dirty="0"/>
+              <a:t> objects are capable of being iterated, meaning:</a:t>
+            </a:r>
+          </a:p>
+          <a:p>
+            <a:pPr lvl="1"/>
+            <a:r>
+              <a:rPr lang="en-US" dirty="0"/>
+              <a:t>We can get objects one at a time until exhausted. </a:t>
+            </a:r>
+          </a:p>
+          <a:p>
+            <a:r>
+              <a:rPr lang="en-US" dirty="0"/>
+              <a:t>To do this we need to do two* things:</a:t>
+            </a:r>
+          </a:p>
+          <a:p>
+            <a:pPr lvl="1"/>
+            <a:r>
+              <a:rPr lang="en-US" dirty="0"/>
+              <a:t>Provide </a:t>
+            </a:r>
+            <a:r>
+              <a:rPr lang="en-US" dirty="0" err="1"/>
+              <a:t>iter</a:t>
+            </a:r>
+            <a:r>
+              <a:rPr lang="en-US" dirty="0"/>
+              <a:t> – this just returns the self. </a:t>
+            </a:r>
+          </a:p>
+          <a:p>
+            <a:pPr lvl="1"/>
+            <a:r>
+              <a:rPr lang="en-US" dirty="0"/>
+              <a:t>Provie next – this is the next thing to provide </a:t>
+            </a:r>
+            <a:r>
+              <a:rPr lang="en-US"/>
+              <a:t>if looping. </a:t>
+            </a:r>
+            <a:endParaRPr lang="en-US" dirty="0"/>
+          </a:p>
+          <a:p>
+            <a:pPr lvl="1"/>
+            <a:r>
+              <a:rPr lang="en-US" dirty="0"/>
+              <a:t>*this can kind of vary, but stick with this for now. </a:t>
+            </a:r>
+          </a:p>
+          <a:p>
+            <a:r>
+              <a:rPr lang="en-US" dirty="0"/>
+              <a:t>If we do this, our container will be able to “act as” any other </a:t>
+            </a:r>
+            <a:r>
+              <a:rPr lang="en-US" dirty="0" err="1"/>
+              <a:t>iterable</a:t>
+            </a:r>
+            <a:r>
+              <a:rPr lang="en-US" dirty="0"/>
+              <a:t> container </a:t>
+            </a:r>
+            <a:r>
+              <a:rPr lang="en-US" dirty="0" err="1"/>
+              <a:t>w.r.t.</a:t>
+            </a:r>
+            <a:r>
+              <a:rPr lang="en-US" dirty="0"/>
+              <a:t> loops, enumeration, </a:t>
+            </a:r>
+            <a:r>
+              <a:rPr lang="en-US" dirty="0" err="1"/>
+              <a:t>etc</a:t>
+            </a:r>
+            <a:r>
+              <a:rPr lang="en-US" dirty="0"/>
+              <a:t>…</a:t>
+            </a:r>
+          </a:p>
+        </p:txBody>
+      </p:sp>
+      <p:pic>
+        <p:nvPicPr>
+          <p:cNvPr id="4" name="Picture 3">
+            <a:extLst>
+              <a:ext uri="{FF2B5EF4-FFF2-40B4-BE49-F238E27FC236}">
+                <a16:creationId xmlns:a16="http://schemas.microsoft.com/office/drawing/2014/main" id="{041CC1B3-0C67-ACA6-6974-B23CD1E59681}"/>
+              </a:ext>
+            </a:extLst>
+          </p:cNvPr>
+          <p:cNvPicPr>
+            <a:picLocks noChangeAspect="1"/>
+          </p:cNvPicPr>
+          <p:nvPr/>
+        </p:nvPicPr>
+        <p:blipFill>
+          <a:blip r:embed="rId2"/>
+          <a:stretch>
+            <a:fillRect/>
+          </a:stretch>
+        </p:blipFill>
+        <p:spPr>
+          <a:xfrm>
+            <a:off x="7188637" y="2162432"/>
+            <a:ext cx="5003363" cy="2940908"/>
+          </a:xfrm>
+          <a:prstGeom prst="rect">
+            <a:avLst/>
+          </a:prstGeom>
+        </p:spPr>
+      </p:pic>
+    </p:spTree>
+    <p:extLst>
+      <p:ext uri="{BB962C8B-B14F-4D97-AF65-F5344CB8AC3E}">
+        <p14:creationId xmlns:p14="http://schemas.microsoft.com/office/powerpoint/2010/main" val="2203938620"/>
+      </p:ext>
+    </p:extLst>
+  </p:cSld>
+  <p:clrMapOvr>
+    <a:masterClrMapping/>
+  </p:clrMapOvr>
+</p:sld>
+</file>
+
+<file path=ppt/slides/slide15.xml><?xml version="1.0" encoding="utf-8"?>
+<p:sld xmlns:a="http://schemas.openxmlformats.org/drawingml/2006/main" xmlns:r="http://schemas.openxmlformats.org/officeDocument/2006/relationships" xmlns:p="http://schemas.openxmlformats.org/presentationml/2006/main">
+  <p:cSld>
+    <p:spTree>
+      <p:nvGrpSpPr>
+        <p:cNvPr id="1" name=""/>
+        <p:cNvGrpSpPr/>
+        <p:nvPr/>
+      </p:nvGrpSpPr>
+      <p:grpSpPr>
+        <a:xfrm>
+          <a:off x="0" y="0"/>
+          <a:ext cx="0" cy="0"/>
+          <a:chOff x="0" y="0"/>
+          <a:chExt cx="0" cy="0"/>
+        </a:xfrm>
+      </p:grpSpPr>
+      <p:sp>
+        <p:nvSpPr>
+          <p:cNvPr id="2" name="Title 1">
+            <a:extLst>
+              <a:ext uri="{FF2B5EF4-FFF2-40B4-BE49-F238E27FC236}">
+                <a16:creationId xmlns:a16="http://schemas.microsoft.com/office/drawing/2014/main" id="{48DC130A-1FE9-255D-F77B-DD64D940D517}"/>
+              </a:ext>
+            </a:extLst>
+          </p:cNvPr>
+          <p:cNvSpPr>
+            <a:spLocks noGrp="1"/>
+          </p:cNvSpPr>
+          <p:nvPr>
+            <p:ph type="title"/>
+          </p:nvPr>
+        </p:nvSpPr>
+        <p:spPr/>
+        <p:txBody>
+          <a:bodyPr/>
+          <a:lstStyle/>
+          <a:p>
+            <a:r>
+              <a:rPr lang="en-US" dirty="0"/>
+              <a:t>Let’s program!</a:t>
+            </a:r>
+          </a:p>
+        </p:txBody>
+      </p:sp>
+      <p:sp>
+        <p:nvSpPr>
+          <p:cNvPr id="3" name="Content Placeholder 2">
+            <a:extLst>
+              <a:ext uri="{FF2B5EF4-FFF2-40B4-BE49-F238E27FC236}">
+                <a16:creationId xmlns:a16="http://schemas.microsoft.com/office/drawing/2014/main" id="{34C6CAB6-B727-D091-310D-02C9DC137AA2}"/>
+              </a:ext>
+            </a:extLst>
+          </p:cNvPr>
+          <p:cNvSpPr>
+            <a:spLocks noGrp="1"/>
+          </p:cNvSpPr>
+          <p:nvPr>
+            <p:ph idx="1"/>
+          </p:nvPr>
+        </p:nvSpPr>
+        <p:spPr>
+          <a:xfrm>
+            <a:off x="1451579" y="1853754"/>
+            <a:ext cx="9603275" cy="4199727"/>
+          </a:xfrm>
+        </p:spPr>
+        <p:txBody>
+          <a:bodyPr/>
+          <a:lstStyle/>
+          <a:p>
+            <a:r>
+              <a:rPr lang="en-US" dirty="0"/>
+              <a:t>We have a rough outline of what we need to get started. </a:t>
+            </a:r>
+          </a:p>
+          <a:p>
+            <a:r>
+              <a:rPr lang="en-US" dirty="0"/>
+              <a:t>If this works, we should be able to make a deck of cards, deal some hands, determine which one wins, and then ‘reset’ the game to be ready for another hand. </a:t>
+            </a:r>
+          </a:p>
+          <a:p>
+            <a:pPr lvl="1"/>
+            <a:r>
+              <a:rPr lang="en-US" dirty="0"/>
+              <a:t>Other concerns to test – size limits? Adding invalid cards? Comparing diff sized hands? </a:t>
+            </a:r>
+          </a:p>
+          <a:p>
+            <a:r>
+              <a:rPr lang="en-US" dirty="0"/>
+              <a:t>If these items and actions work, we can later use them to build a game. </a:t>
+            </a:r>
+          </a:p>
+          <a:p>
+            <a:pPr lvl="1"/>
+            <a:r>
+              <a:rPr lang="en-US" dirty="0"/>
+              <a:t>Games have players, players have banks, players hold hands, games have decks, </a:t>
+            </a:r>
+            <a:r>
+              <a:rPr lang="en-US" dirty="0" err="1"/>
+              <a:t>etc</a:t>
+            </a:r>
+            <a:r>
+              <a:rPr lang="en-US" dirty="0"/>
+              <a:t>…</a:t>
+            </a:r>
+          </a:p>
+          <a:p>
+            <a:pPr lvl="1"/>
+            <a:r>
+              <a:rPr lang="en-US" dirty="0"/>
+              <a:t>If the components work, we can also make a different card game more easily, how?</a:t>
+            </a:r>
+          </a:p>
+          <a:p>
+            <a:r>
+              <a:rPr lang="en-US" dirty="0"/>
+              <a:t>Not everything is defined or solved yet, but we have a framework to build on. </a:t>
+            </a:r>
+          </a:p>
+          <a:p>
+            <a:r>
+              <a:rPr lang="en-US" dirty="0"/>
+              <a:t>If something is missing, does it belong here or elsewhere (player, game, </a:t>
+            </a:r>
+            <a:r>
+              <a:rPr lang="en-US" dirty="0" err="1"/>
+              <a:t>etc</a:t>
+            </a:r>
+            <a:r>
+              <a:rPr lang="en-US" dirty="0"/>
+              <a:t>…?)</a:t>
+            </a:r>
+          </a:p>
+        </p:txBody>
+      </p:sp>
+    </p:spTree>
+    <p:extLst>
+      <p:ext uri="{BB962C8B-B14F-4D97-AF65-F5344CB8AC3E}">
+        <p14:creationId xmlns:p14="http://schemas.microsoft.com/office/powerpoint/2010/main" val="2369848873"/>
+      </p:ext>
+    </p:extLst>
+  </p:cSld>
+  <p:clrMapOvr>
+    <a:masterClrMapping/>
+  </p:clrMapOvr>
+</p:sld>
+</file>
+
+<file path=ppt/slides/slide16.xml><?xml version="1.0" encoding="utf-8"?>
+<p:sld xmlns:a="http://schemas.openxmlformats.org/drawingml/2006/main" xmlns:r="http://schemas.openxmlformats.org/officeDocument/2006/relationships" xmlns:p="http://schemas.openxmlformats.org/presentationml/2006/main">
+  <p:cSld>
+    <p:spTree>
+      <p:nvGrpSpPr>
+        <p:cNvPr id="1" name=""/>
+        <p:cNvGrpSpPr/>
+        <p:nvPr/>
+      </p:nvGrpSpPr>
+      <p:grpSpPr>
+        <a:xfrm>
+          <a:off x="0" y="0"/>
+          <a:ext cx="0" cy="0"/>
+          <a:chOff x="0" y="0"/>
+          <a:chExt cx="0" cy="0"/>
+        </a:xfrm>
+      </p:grpSpPr>
+      <p:sp>
+        <p:nvSpPr>
+          <p:cNvPr id="2" name="Title 1">
+            <a:extLst>
+              <a:ext uri="{FF2B5EF4-FFF2-40B4-BE49-F238E27FC236}">
                 <a16:creationId xmlns:a16="http://schemas.microsoft.com/office/drawing/2014/main" id="{0569A17F-CB5B-F1C5-B82B-210045146819}"/>
               </a:ext>
             </a:extLst>
@@ -4473,7 +4875,7 @@
 </p:sld>
 </file>
 
-<file path=ppt/slides/slide15.xml><?xml version="1.0" encoding="utf-8"?>
+<file path=ppt/slides/slide17.xml><?xml version="1.0" encoding="utf-8"?>
 <p:sld xmlns:a="http://schemas.openxmlformats.org/drawingml/2006/main" xmlns:r="http://schemas.openxmlformats.org/officeDocument/2006/relationships" xmlns:p="http://schemas.openxmlformats.org/presentationml/2006/main">
   <p:cSld>
     <p:spTree>
@@ -5443,10 +5845,10 @@
       </p:grpSpPr>
       <p:sp>
         <p:nvSpPr>
-          <p:cNvPr id="5" name="Title 4">
+          <p:cNvPr id="2" name="Title 1">
             <a:extLst>
               <a:ext uri="{FF2B5EF4-FFF2-40B4-BE49-F238E27FC236}">
-                <a16:creationId xmlns:a16="http://schemas.microsoft.com/office/drawing/2014/main" id="{1E6FFE05-9563-8056-8E49-EC352234F7DE}"/>
+                <a16:creationId xmlns:a16="http://schemas.microsoft.com/office/drawing/2014/main" id="{5844429C-B6A8-320F-A7FC-00089E292950}"/>
               </a:ext>
             </a:extLst>
           </p:cNvPr>
@@ -5464,17 +5866,22 @@
           <a:p>
             <a:r>
               <a:rPr lang="en-US" dirty="0"/>
-              <a:t>Logic thus far</a:t>
-            </a:r>
-          </a:p>
-        </p:txBody>
-      </p:sp>
-      <p:sp>
-        <p:nvSpPr>
-          <p:cNvPr id="6" name="Content Placeholder 5">
+              <a:t>Plan with </a:t>
+            </a:r>
+            <a:r>
+              <a:rPr lang="en-US" dirty="0" err="1"/>
+              <a:t>KanBan</a:t>
+            </a:r>
+            <a:endParaRPr lang="en-US" dirty="0"/>
+          </a:p>
+        </p:txBody>
+      </p:sp>
+      <p:sp>
+        <p:nvSpPr>
+          <p:cNvPr id="3" name="Content Placeholder 2">
             <a:extLst>
               <a:ext uri="{FF2B5EF4-FFF2-40B4-BE49-F238E27FC236}">
-                <a16:creationId xmlns:a16="http://schemas.microsoft.com/office/drawing/2014/main" id="{A311C937-6346-52CC-EFAC-2219D8775CAC}"/>
+                <a16:creationId xmlns:a16="http://schemas.microsoft.com/office/drawing/2014/main" id="{B30211CD-3A10-8A24-D8B7-8872BADA7018}"/>
               </a:ext>
             </a:extLst>
           </p:cNvPr>
@@ -5487,86 +5894,82 @@
         </p:nvSpPr>
         <p:spPr>
           <a:xfrm>
-            <a:off x="1451579" y="1853754"/>
-            <a:ext cx="9603275" cy="4273669"/>
+            <a:off x="7043351" y="2015732"/>
+            <a:ext cx="5148649" cy="4037749"/>
           </a:xfrm>
         </p:spPr>
         <p:txBody>
-          <a:bodyPr>
-            <a:normAutofit lnSpcReduction="10000"/>
-          </a:bodyPr>
-          <a:lstStyle/>
-          <a:p>
-            <a:r>
-              <a:rPr lang="en-US" dirty="0"/>
-              <a:t>I am trying to model the needs of poker into the objects in my code. </a:t>
-            </a:r>
-          </a:p>
-          <a:p>
-            <a:r>
-              <a:rPr lang="en-US" dirty="0"/>
-              <a:t>Start with two main types of objects:</a:t>
-            </a:r>
-          </a:p>
-          <a:p>
-            <a:pPr lvl="1"/>
-            <a:r>
-              <a:rPr lang="en-US" dirty="0"/>
-              <a:t>Cards – each card is represented by a card object. </a:t>
-            </a:r>
-          </a:p>
-          <a:p>
-            <a:pPr lvl="1"/>
-            <a:r>
-              <a:rPr lang="en-US" dirty="0"/>
-              <a:t>Decks – a grouping of cards. </a:t>
-            </a:r>
-          </a:p>
-          <a:p>
-            <a:r>
-              <a:rPr lang="en-US" dirty="0"/>
-              <a:t>The deck concept can be expanded on:</a:t>
-            </a:r>
-          </a:p>
-          <a:p>
-            <a:pPr lvl="1"/>
-            <a:r>
-              <a:rPr lang="en-US" dirty="0"/>
-              <a:t>Any grouping of cards is a deck, and shares key characteristics (holds cards). </a:t>
-            </a:r>
-          </a:p>
-          <a:p>
-            <a:pPr lvl="1"/>
-            <a:r>
-              <a:rPr lang="en-US" dirty="0"/>
-              <a:t>A specific type of grouping is a hand – a set of cards a player holds. </a:t>
-            </a:r>
-          </a:p>
-          <a:p>
-            <a:pPr lvl="1"/>
-            <a:r>
-              <a:rPr lang="en-US" dirty="0"/>
-              <a:t>Hands add a bunch of stuff like comparisons to allow play to work. </a:t>
-            </a:r>
-          </a:p>
-          <a:p>
-            <a:r>
-              <a:rPr lang="en-US" dirty="0"/>
-              <a:t>What goes where and the relationships between objects may still change. </a:t>
-            </a:r>
-          </a:p>
-          <a:p>
-            <a:r>
-              <a:rPr lang="en-US" dirty="0"/>
-              <a:t>This could be solved differently, e.g. hand and deck don’t need to be child/parent. </a:t>
-            </a:r>
-          </a:p>
-        </p:txBody>
-      </p:sp>
+          <a:bodyPr/>
+          <a:lstStyle/>
+          <a:p>
+            <a:r>
+              <a:rPr lang="en-US" dirty="0"/>
+              <a:t>We can manage our simple project, kanban works well for this. </a:t>
+            </a:r>
+          </a:p>
+          <a:p>
+            <a:pPr lvl="1"/>
+            <a:r>
+              <a:rPr lang="en-US" dirty="0"/>
+              <a:t>Simple list of goals, broken into status. </a:t>
+            </a:r>
+          </a:p>
+          <a:p>
+            <a:r>
+              <a:rPr lang="en-US" dirty="0"/>
+              <a:t>As we develop, things may change:</a:t>
+            </a:r>
+          </a:p>
+          <a:p>
+            <a:pPr lvl="1"/>
+            <a:r>
+              <a:rPr lang="en-US" dirty="0"/>
+              <a:t>New tasks, or larger ones being decomposed into smaller tasks. </a:t>
+            </a:r>
+          </a:p>
+          <a:p>
+            <a:pPr lvl="1"/>
+            <a:r>
+              <a:rPr lang="en-US" dirty="0"/>
+              <a:t>Requirements are found or refined. </a:t>
+            </a:r>
+          </a:p>
+        </p:txBody>
+      </p:sp>
+      <p:pic>
+        <p:nvPicPr>
+          <p:cNvPr id="4" name="Picture 3">
+            <a:extLst>
+              <a:ext uri="{FF2B5EF4-FFF2-40B4-BE49-F238E27FC236}">
+                <a16:creationId xmlns:a16="http://schemas.microsoft.com/office/drawing/2014/main" id="{B7EC5350-11AD-19CF-6C0F-807EFF40C759}"/>
+              </a:ext>
+            </a:extLst>
+          </p:cNvPr>
+          <p:cNvPicPr>
+            <a:picLocks noChangeAspect="1"/>
+          </p:cNvPicPr>
+          <p:nvPr/>
+        </p:nvPicPr>
+        <p:blipFill>
+          <a:blip r:embed="rId2"/>
+          <a:stretch>
+            <a:fillRect/>
+          </a:stretch>
+        </p:blipFill>
+        <p:spPr>
+          <a:xfrm>
+            <a:off x="-1" y="1853754"/>
+            <a:ext cx="7043351" cy="5019400"/>
+          </a:xfrm>
+          <a:prstGeom prst="rect">
+            <a:avLst/>
+          </a:prstGeom>
+        </p:spPr>
+      </p:pic>
     </p:spTree>
     <p:extLst>
       <p:ext uri="{BB962C8B-B14F-4D97-AF65-F5344CB8AC3E}">
-        <p14:creationId xmlns:p14="http://schemas.microsoft.com/office/powerpoint/2010/main" val="1467205496"/>
+        <p14:creationId xmlns:p14="http://schemas.microsoft.com/office/powerpoint/2010/main" val="3882621289"/>
       </p:ext>
     </p:extLst>
   </p:cSld>
@@ -5595,10 +5998,10 @@
       </p:grpSpPr>
       <p:sp>
         <p:nvSpPr>
-          <p:cNvPr id="2" name="Title 1">
+          <p:cNvPr id="5" name="Title 4">
             <a:extLst>
               <a:ext uri="{FF2B5EF4-FFF2-40B4-BE49-F238E27FC236}">
-                <a16:creationId xmlns:a16="http://schemas.microsoft.com/office/drawing/2014/main" id="{BD995E68-AAC4-5020-A474-BE3EFD63ED54}"/>
+                <a16:creationId xmlns:a16="http://schemas.microsoft.com/office/drawing/2014/main" id="{1E6FFE05-9563-8056-8E49-EC352234F7DE}"/>
               </a:ext>
             </a:extLst>
           </p:cNvPr>
@@ -5616,17 +6019,17 @@
           <a:p>
             <a:r>
               <a:rPr lang="en-US" dirty="0"/>
-              <a:t>Development Process</a:t>
-            </a:r>
-          </a:p>
-        </p:txBody>
-      </p:sp>
-      <p:sp>
-        <p:nvSpPr>
-          <p:cNvPr id="3" name="Content Placeholder 2">
+              <a:t>Logic thus far</a:t>
+            </a:r>
+          </a:p>
+        </p:txBody>
+      </p:sp>
+      <p:sp>
+        <p:nvSpPr>
+          <p:cNvPr id="6" name="Content Placeholder 5">
             <a:extLst>
               <a:ext uri="{FF2B5EF4-FFF2-40B4-BE49-F238E27FC236}">
-                <a16:creationId xmlns:a16="http://schemas.microsoft.com/office/drawing/2014/main" id="{30A3BB49-7426-F89D-0AF8-B806E21FD0BA}"/>
+                <a16:creationId xmlns:a16="http://schemas.microsoft.com/office/drawing/2014/main" id="{A311C937-6346-52CC-EFAC-2219D8775CAC}"/>
               </a:ext>
             </a:extLst>
           </p:cNvPr>
@@ -5639,72 +6042,78 @@
         </p:nvSpPr>
         <p:spPr>
           <a:xfrm>
-            <a:off x="1451579" y="2015732"/>
-            <a:ext cx="9603275" cy="4037749"/>
+            <a:off x="1451579" y="1853754"/>
+            <a:ext cx="9603275" cy="4273669"/>
           </a:xfrm>
         </p:spPr>
         <p:txBody>
-          <a:bodyPr/>
-          <a:lstStyle/>
-          <a:p>
-            <a:r>
-              <a:rPr lang="en-US" dirty="0"/>
-              <a:t>We have an idea now of the core objects we need and how they relate. </a:t>
-            </a:r>
-          </a:p>
-          <a:p>
-            <a:r>
-              <a:rPr lang="en-US" dirty="0"/>
-              <a:t>We can start thinking of development. </a:t>
-            </a:r>
-          </a:p>
-          <a:p>
-            <a:pPr lvl="1"/>
-            <a:r>
-              <a:rPr lang="en-US" dirty="0"/>
-              <a:t>What functionality needs to be present in these things? </a:t>
-            </a:r>
-          </a:p>
-          <a:p>
-            <a:pPr lvl="2"/>
-            <a:r>
-              <a:rPr lang="en-US" dirty="0"/>
-              <a:t>Make decks, compare cards/decks, shuffle into hands, </a:t>
-            </a:r>
-            <a:r>
-              <a:rPr lang="en-US" dirty="0" err="1"/>
-              <a:t>etc</a:t>
-            </a:r>
-            <a:r>
-              <a:rPr lang="en-US" dirty="0"/>
-              <a:t>…</a:t>
-            </a:r>
-          </a:p>
-          <a:p>
-            <a:pPr lvl="1"/>
-            <a:r>
-              <a:rPr lang="en-US" dirty="0"/>
-              <a:t>Where does each part of the functionality lie?</a:t>
-            </a:r>
-          </a:p>
-          <a:p>
-            <a:pPr lvl="1"/>
-            <a:r>
-              <a:rPr lang="en-US" dirty="0"/>
-              <a:t>What can we do to verify that it works – here we are checking if the things we make will both run without error and that they follow the rules/functionality of poker. </a:t>
-            </a:r>
-          </a:p>
-          <a:p>
-            <a:r>
-              <a:rPr lang="en-US" dirty="0"/>
-              <a:t>We can start at the bottom, and move up the chain. </a:t>
-            </a:r>
-          </a:p>
-          <a:p>
-            <a:pPr lvl="1"/>
-            <a:r>
-              <a:rPr lang="en-US" dirty="0"/>
-              <a:t>If the card works, we can assume it’ll work when building decks, and so on… </a:t>
+          <a:bodyPr>
+            <a:normAutofit lnSpcReduction="10000"/>
+          </a:bodyPr>
+          <a:lstStyle/>
+          <a:p>
+            <a:r>
+              <a:rPr lang="en-US" dirty="0"/>
+              <a:t>I am trying to model the needs of poker into the objects in my code. </a:t>
+            </a:r>
+          </a:p>
+          <a:p>
+            <a:r>
+              <a:rPr lang="en-US" dirty="0"/>
+              <a:t>Start with two main types of objects:</a:t>
+            </a:r>
+          </a:p>
+          <a:p>
+            <a:pPr lvl="1"/>
+            <a:r>
+              <a:rPr lang="en-US" dirty="0"/>
+              <a:t>Cards – each card is represented by a card object. </a:t>
+            </a:r>
+          </a:p>
+          <a:p>
+            <a:pPr lvl="1"/>
+            <a:r>
+              <a:rPr lang="en-US" dirty="0"/>
+              <a:t>Decks – a grouping of cards. </a:t>
+            </a:r>
+          </a:p>
+          <a:p>
+            <a:r>
+              <a:rPr lang="en-US" dirty="0"/>
+              <a:t>The deck concept can be expanded on:</a:t>
+            </a:r>
+          </a:p>
+          <a:p>
+            <a:pPr lvl="1"/>
+            <a:r>
+              <a:rPr lang="en-US" dirty="0"/>
+              <a:t>Any grouping of cards is a deck, and shares key characteristics (holds cards). </a:t>
+            </a:r>
+          </a:p>
+          <a:p>
+            <a:pPr lvl="1"/>
+            <a:r>
+              <a:rPr lang="en-US" dirty="0"/>
+              <a:t>A specific type of grouping is a hand – a set of cards a player holds. </a:t>
+            </a:r>
+          </a:p>
+          <a:p>
+            <a:pPr lvl="1"/>
+            <a:r>
+              <a:rPr lang="en-US" dirty="0"/>
+              <a:t>Hands add a bunch of stuff like comparisons to allow play to work. </a:t>
+            </a:r>
+          </a:p>
+          <a:p>
+            <a:r>
+              <a:rPr lang="en-US" dirty="0"/>
+              <a:t>What goes where and the relationships between objects may still change. </a:t>
+            </a:r>
+          </a:p>
+          <a:p>
+            <a:r>
+              <a:rPr lang="en-US" dirty="0"/>
+              <a:t>This could be solved differently, e.g. hand and deck don’t need to be child/parent. </a:t>
             </a:r>
           </a:p>
         </p:txBody>
@@ -5712,7 +6121,7 @@
     </p:spTree>
     <p:extLst>
       <p:ext uri="{BB962C8B-B14F-4D97-AF65-F5344CB8AC3E}">
-        <p14:creationId xmlns:p14="http://schemas.microsoft.com/office/powerpoint/2010/main" val="3321087527"/>
+        <p14:creationId xmlns:p14="http://schemas.microsoft.com/office/powerpoint/2010/main" val="1467205496"/>
       </p:ext>
     </p:extLst>
   </p:cSld>
@@ -5744,7 +6153,7 @@
           <p:cNvPr id="2" name="Title 1">
             <a:extLst>
               <a:ext uri="{FF2B5EF4-FFF2-40B4-BE49-F238E27FC236}">
-                <a16:creationId xmlns:a16="http://schemas.microsoft.com/office/drawing/2014/main" id="{4F14CFF7-0470-431C-B694-81788D180F8E}"/>
+                <a16:creationId xmlns:a16="http://schemas.microsoft.com/office/drawing/2014/main" id="{BD995E68-AAC4-5020-A474-BE3EFD63ED54}"/>
               </a:ext>
             </a:extLst>
           </p:cNvPr>
@@ -5762,7 +6171,7 @@
           <a:p>
             <a:r>
               <a:rPr lang="en-US" dirty="0"/>
-              <a:t>Cards</a:t>
+              <a:t>Development Process</a:t>
             </a:r>
           </a:p>
         </p:txBody>
@@ -5772,7 +6181,7 @@
           <p:cNvPr id="3" name="Content Placeholder 2">
             <a:extLst>
               <a:ext uri="{FF2B5EF4-FFF2-40B4-BE49-F238E27FC236}">
-                <a16:creationId xmlns:a16="http://schemas.microsoft.com/office/drawing/2014/main" id="{5F6CCF3F-365D-A794-DF44-C7FA6BCFEB05}"/>
+                <a16:creationId xmlns:a16="http://schemas.microsoft.com/office/drawing/2014/main" id="{30A3BB49-7426-F89D-0AF8-B806E21FD0BA}"/>
               </a:ext>
             </a:extLst>
           </p:cNvPr>
@@ -5785,8 +6194,8 @@
         </p:nvSpPr>
         <p:spPr>
           <a:xfrm>
-            <a:off x="1451579" y="1932496"/>
-            <a:ext cx="9603275" cy="4120986"/>
+            <a:off x="1451579" y="2015732"/>
+            <a:ext cx="9603275" cy="4037749"/>
           </a:xfrm>
         </p:spPr>
         <p:txBody>
@@ -5795,78 +6204,62 @@
           <a:p>
             <a:r>
               <a:rPr lang="en-US" dirty="0"/>
-              <a:t>A card is an object that everything else is build on, it has:</a:t>
-            </a:r>
-          </a:p>
-          <a:p>
-            <a:pPr lvl="1"/>
-            <a:r>
-              <a:rPr lang="en-US" dirty="0"/>
-              <a:t>Attributes – suit and value. </a:t>
-            </a:r>
-          </a:p>
-          <a:p>
-            <a:pPr lvl="1"/>
-            <a:r>
-              <a:rPr lang="en-US" dirty="0"/>
-              <a:t>Methods – print and compare. </a:t>
-            </a:r>
-          </a:p>
-          <a:p>
-            <a:r>
-              <a:rPr lang="en-US" dirty="0"/>
-              <a:t>We need to have a card that can generate a string that is usable for a ‘game’. </a:t>
-            </a:r>
-          </a:p>
-          <a:p>
-            <a:pPr lvl="1"/>
-            <a:r>
-              <a:rPr lang="en-US" dirty="0"/>
-              <a:t>Test by inspection. </a:t>
-            </a:r>
-          </a:p>
-          <a:p>
-            <a:r>
-              <a:rPr lang="en-US" dirty="0"/>
-              <a:t>We need to have cards that can have their values compared:</a:t>
-            </a:r>
-          </a:p>
-          <a:p>
-            <a:pPr lvl="1"/>
-            <a:r>
-              <a:rPr lang="en-US" dirty="0"/>
-              <a:t>Each card has a value, and the relative values are important here. </a:t>
-            </a:r>
-          </a:p>
-          <a:p>
-            <a:pPr lvl="1"/>
-            <a:r>
-              <a:rPr lang="en-US" dirty="0"/>
-              <a:t>Test by defining </a:t>
+              <a:t>We have an idea now of the core objects we need and how they relate. </a:t>
+            </a:r>
+          </a:p>
+          <a:p>
+            <a:r>
+              <a:rPr lang="en-US" dirty="0"/>
+              <a:t>We can start thinking of development. </a:t>
+            </a:r>
+          </a:p>
+          <a:p>
+            <a:pPr lvl="1"/>
+            <a:r>
+              <a:rPr lang="en-US" dirty="0"/>
+              <a:t>What functionality needs to be present in these things? </a:t>
+            </a:r>
+          </a:p>
+          <a:p>
+            <a:pPr lvl="2"/>
+            <a:r>
+              <a:rPr lang="en-US" dirty="0"/>
+              <a:t>Make decks, compare cards/decks, shuffle into hands, </a:t>
             </a:r>
             <a:r>
               <a:rPr lang="en-US" dirty="0" err="1"/>
-              <a:t>lt</a:t>
-            </a:r>
-            <a:r>
-              <a:rPr lang="en-US" dirty="0"/>
-              <a:t>/</a:t>
-            </a:r>
-            <a:r>
-              <a:rPr lang="en-US" dirty="0" err="1"/>
-              <a:t>gt</a:t>
-            </a:r>
-            <a:r>
-              <a:rPr lang="en-US" dirty="0"/>
-              <a:t>/eq and testing that sorting is correct in order (</a:t>
-            </a:r>
-            <a:r>
-              <a:rPr lang="en-US" dirty="0" err="1"/>
-              <a:t>wrt</a:t>
-            </a:r>
-            <a:r>
-              <a:rPr lang="en-US" dirty="0"/>
-              <a:t> poker reality). </a:t>
+              <a:t>etc</a:t>
+            </a:r>
+            <a:r>
+              <a:rPr lang="en-US" dirty="0"/>
+              <a:t>…</a:t>
+            </a:r>
+          </a:p>
+          <a:p>
+            <a:pPr lvl="1"/>
+            <a:r>
+              <a:rPr lang="en-US" dirty="0"/>
+              <a:t>Where does each part of the functionality lie?</a:t>
+            </a:r>
+          </a:p>
+          <a:p>
+            <a:pPr lvl="1"/>
+            <a:r>
+              <a:rPr lang="en-US" dirty="0"/>
+              <a:t>What can we do to verify that it works – here we are checking if the things we make will both run without error and that they follow the rules/functionality of poker. </a:t>
+            </a:r>
+          </a:p>
+          <a:p>
+            <a:r>
+              <a:rPr lang="en-US" dirty="0"/>
+              <a:t>We can start at the bottom, and move up the chain. </a:t>
+            </a:r>
+          </a:p>
+          <a:p>
+            <a:pPr lvl="1"/>
+            <a:r>
+              <a:rPr lang="en-US" dirty="0"/>
+              <a:t>If the card works, we can assume it’ll work when building decks, and so on… </a:t>
             </a:r>
           </a:p>
         </p:txBody>
@@ -5874,7 +6267,7 @@
     </p:spTree>
     <p:extLst>
       <p:ext uri="{BB962C8B-B14F-4D97-AF65-F5344CB8AC3E}">
-        <p14:creationId xmlns:p14="http://schemas.microsoft.com/office/powerpoint/2010/main" val="2558290909"/>
+        <p14:creationId xmlns:p14="http://schemas.microsoft.com/office/powerpoint/2010/main" val="3321087527"/>
       </p:ext>
     </p:extLst>
   </p:cSld>

--- a/reference_material/slides/017_cards_intro_review.pptx
+++ b/reference_material/slides/017_cards_intro_review.pptx
@@ -5,23 +5,25 @@
     <p:sldMasterId id="2147483660" r:id="rId1"/>
   </p:sldMasterIdLst>
   <p:sldIdLst>
-    <p:sldId id="256" r:id="rId2"/>
-    <p:sldId id="257" r:id="rId3"/>
-    <p:sldId id="258" r:id="rId4"/>
-    <p:sldId id="259" r:id="rId5"/>
-    <p:sldId id="260" r:id="rId6"/>
-    <p:sldId id="261" r:id="rId7"/>
-    <p:sldId id="271" r:id="rId8"/>
-    <p:sldId id="262" r:id="rId9"/>
-    <p:sldId id="263" r:id="rId10"/>
-    <p:sldId id="264" r:id="rId11"/>
-    <p:sldId id="268" r:id="rId12"/>
-    <p:sldId id="265" r:id="rId13"/>
-    <p:sldId id="266" r:id="rId14"/>
-    <p:sldId id="272" r:id="rId15"/>
-    <p:sldId id="267" r:id="rId16"/>
-    <p:sldId id="269" r:id="rId17"/>
-    <p:sldId id="270" r:id="rId18"/>
+    <p:sldId id="274" r:id="rId2"/>
+    <p:sldId id="256" r:id="rId3"/>
+    <p:sldId id="257" r:id="rId4"/>
+    <p:sldId id="258" r:id="rId5"/>
+    <p:sldId id="259" r:id="rId6"/>
+    <p:sldId id="260" r:id="rId7"/>
+    <p:sldId id="261" r:id="rId8"/>
+    <p:sldId id="271" r:id="rId9"/>
+    <p:sldId id="262" r:id="rId10"/>
+    <p:sldId id="263" r:id="rId11"/>
+    <p:sldId id="264" r:id="rId12"/>
+    <p:sldId id="268" r:id="rId13"/>
+    <p:sldId id="265" r:id="rId14"/>
+    <p:sldId id="266" r:id="rId15"/>
+    <p:sldId id="272" r:id="rId16"/>
+    <p:sldId id="273" r:id="rId17"/>
+    <p:sldId id="267" r:id="rId18"/>
+    <p:sldId id="269" r:id="rId19"/>
+    <p:sldId id="270" r:id="rId20"/>
   </p:sldIdLst>
   <p:sldSz cx="12192000" cy="6858000"/>
   <p:notesSz cx="6858000" cy="9144000"/>
@@ -3646,7 +3648,7 @@
           <p:cNvPr id="2" name="Title 1">
             <a:extLst>
               <a:ext uri="{FF2B5EF4-FFF2-40B4-BE49-F238E27FC236}">
-                <a16:creationId xmlns:a16="http://schemas.microsoft.com/office/drawing/2014/main" id="{C1683802-A1E3-CF23-90F2-E95312E8067A}"/>
+                <a16:creationId xmlns:a16="http://schemas.microsoft.com/office/drawing/2014/main" id="{7A2E8E4A-9BBC-FEFE-EC78-C632143E9936}"/>
               </a:ext>
             </a:extLst>
           </p:cNvPr>
@@ -3654,7 +3656,7 @@
             <a:spLocks noGrp="1"/>
           </p:cNvSpPr>
           <p:nvPr>
-            <p:ph type="ctrTitle"/>
+            <p:ph type="title"/>
           </p:nvPr>
         </p:nvSpPr>
         <p:spPr/>
@@ -3664,17 +3666,17 @@
           <a:p>
             <a:r>
               <a:rPr lang="en-US" dirty="0"/>
-              <a:t>Let’s Play Cards</a:t>
-            </a:r>
-          </a:p>
-        </p:txBody>
-      </p:sp>
-      <p:sp>
-        <p:nvSpPr>
-          <p:cNvPr id="3" name="Subtitle 2">
+              <a:t>Housekeeping</a:t>
+            </a:r>
+          </a:p>
+        </p:txBody>
+      </p:sp>
+      <p:sp>
+        <p:nvSpPr>
+          <p:cNvPr id="3" name="Content Placeholder 2">
             <a:extLst>
               <a:ext uri="{FF2B5EF4-FFF2-40B4-BE49-F238E27FC236}">
-                <a16:creationId xmlns:a16="http://schemas.microsoft.com/office/drawing/2014/main" id="{402A5117-9EB4-A3DB-C781-AC975D09672B}"/>
+                <a16:creationId xmlns:a16="http://schemas.microsoft.com/office/drawing/2014/main" id="{A4F50622-7DCA-5207-AEA5-669F840FAE2F}"/>
               </a:ext>
             </a:extLst>
           </p:cNvPr>
@@ -3682,17 +3684,80 @@
             <a:spLocks noGrp="1"/>
           </p:cNvSpPr>
           <p:nvPr>
-            <p:ph type="subTitle" idx="1"/>
-          </p:nvPr>
-        </p:nvSpPr>
-        <p:spPr/>
-        <p:txBody>
-          <a:bodyPr/>
-          <a:lstStyle/>
-          <a:p>
-            <a:r>
-              <a:rPr lang="en-US" dirty="0"/>
-              <a:t>We just have to do all the work First</a:t>
+            <p:ph idx="1"/>
+          </p:nvPr>
+        </p:nvSpPr>
+        <p:spPr>
+          <a:xfrm>
+            <a:off x="1451579" y="1853754"/>
+            <a:ext cx="9603275" cy="4199727"/>
+          </a:xfrm>
+        </p:spPr>
+        <p:txBody>
+          <a:bodyPr/>
+          <a:lstStyle/>
+          <a:p>
+            <a:r>
+              <a:rPr lang="en-US" dirty="0"/>
+              <a:t>Conference – who’s going?</a:t>
+            </a:r>
+          </a:p>
+          <a:p>
+            <a:pPr lvl="1"/>
+            <a:r>
+              <a:rPr lang="en-US" dirty="0"/>
+              <a:t>We are supposed to get counts for Mark, they need to do </a:t>
+            </a:r>
+            <a:r>
+              <a:rPr lang="en-US"/>
+              <a:t>ticket stuff. </a:t>
+            </a:r>
+          </a:p>
+          <a:p>
+            <a:r>
+              <a:rPr lang="en-US" dirty="0"/>
+              <a:t>Today:</a:t>
+            </a:r>
+          </a:p>
+          <a:p>
+            <a:pPr lvl="1"/>
+            <a:r>
+              <a:rPr lang="en-US" dirty="0"/>
+              <a:t>Overloading and overriding with inheritance. </a:t>
+            </a:r>
+          </a:p>
+          <a:p>
+            <a:pPr lvl="1"/>
+            <a:r>
+              <a:rPr lang="en-US" dirty="0"/>
+              <a:t>Inheritance and objects, for an actual purpose making a poker game. </a:t>
+            </a:r>
+          </a:p>
+          <a:p>
+            <a:pPr lvl="1"/>
+            <a:r>
+              <a:rPr lang="en-US" dirty="0"/>
+              <a:t>Modelling reality, basic small-scale project planning, creating object interfaces. </a:t>
+            </a:r>
+          </a:p>
+          <a:p>
+            <a:pPr lvl="1"/>
+            <a:r>
+              <a:rPr lang="en-US" dirty="0"/>
+              <a:t>Test driven development ideas, overriding several operators. </a:t>
+            </a:r>
+          </a:p>
+          <a:p>
+            <a:r>
+              <a:rPr lang="en-US" dirty="0"/>
+              <a:t>Grades and other trivialities:</a:t>
+            </a:r>
+          </a:p>
+          <a:p>
+            <a:pPr lvl="1"/>
+            <a:r>
+              <a:rPr lang="en-US" dirty="0"/>
+              <a:t>Labs 4 and 5 should be good to go. </a:t>
             </a:r>
           </a:p>
         </p:txBody>
@@ -3700,7 +3765,7 @@
     </p:spTree>
     <p:extLst>
       <p:ext uri="{BB962C8B-B14F-4D97-AF65-F5344CB8AC3E}">
-        <p14:creationId xmlns:p14="http://schemas.microsoft.com/office/powerpoint/2010/main" val="3081624792"/>
+        <p14:creationId xmlns:p14="http://schemas.microsoft.com/office/powerpoint/2010/main" val="2420179270"/>
       </p:ext>
     </p:extLst>
   </p:cSld>
@@ -3732,7 +3797,7 @@
           <p:cNvPr id="2" name="Title 1">
             <a:extLst>
               <a:ext uri="{FF2B5EF4-FFF2-40B4-BE49-F238E27FC236}">
-                <a16:creationId xmlns:a16="http://schemas.microsoft.com/office/drawing/2014/main" id="{4F14CFF7-0470-431C-B694-81788D180F8E}"/>
+                <a16:creationId xmlns:a16="http://schemas.microsoft.com/office/drawing/2014/main" id="{BD995E68-AAC4-5020-A474-BE3EFD63ED54}"/>
               </a:ext>
             </a:extLst>
           </p:cNvPr>
@@ -3750,7 +3815,7 @@
           <a:p>
             <a:r>
               <a:rPr lang="en-US" dirty="0"/>
-              <a:t>Cards</a:t>
+              <a:t>Development Process</a:t>
             </a:r>
           </a:p>
         </p:txBody>
@@ -3760,7 +3825,7 @@
           <p:cNvPr id="3" name="Content Placeholder 2">
             <a:extLst>
               <a:ext uri="{FF2B5EF4-FFF2-40B4-BE49-F238E27FC236}">
-                <a16:creationId xmlns:a16="http://schemas.microsoft.com/office/drawing/2014/main" id="{5F6CCF3F-365D-A794-DF44-C7FA6BCFEB05}"/>
+                <a16:creationId xmlns:a16="http://schemas.microsoft.com/office/drawing/2014/main" id="{30A3BB49-7426-F89D-0AF8-B806E21FD0BA}"/>
               </a:ext>
             </a:extLst>
           </p:cNvPr>
@@ -3773,8 +3838,8 @@
         </p:nvSpPr>
         <p:spPr>
           <a:xfrm>
-            <a:off x="1451579" y="1932496"/>
-            <a:ext cx="9603275" cy="4120986"/>
+            <a:off x="1451579" y="2015732"/>
+            <a:ext cx="9603275" cy="4037749"/>
           </a:xfrm>
         </p:spPr>
         <p:txBody>
@@ -3783,78 +3848,62 @@
           <a:p>
             <a:r>
               <a:rPr lang="en-US" dirty="0"/>
-              <a:t>A card is an object that everything else is build on, it has:</a:t>
-            </a:r>
-          </a:p>
-          <a:p>
-            <a:pPr lvl="1"/>
-            <a:r>
-              <a:rPr lang="en-US" dirty="0"/>
-              <a:t>Attributes – suit and value. </a:t>
-            </a:r>
-          </a:p>
-          <a:p>
-            <a:pPr lvl="1"/>
-            <a:r>
-              <a:rPr lang="en-US" dirty="0"/>
-              <a:t>Methods – print and compare. </a:t>
-            </a:r>
-          </a:p>
-          <a:p>
-            <a:r>
-              <a:rPr lang="en-US" dirty="0"/>
-              <a:t>We need to have a card that can generate a string that is usable for a ‘game’. </a:t>
-            </a:r>
-          </a:p>
-          <a:p>
-            <a:pPr lvl="1"/>
-            <a:r>
-              <a:rPr lang="en-US" dirty="0"/>
-              <a:t>Test by inspection. </a:t>
-            </a:r>
-          </a:p>
-          <a:p>
-            <a:r>
-              <a:rPr lang="en-US" dirty="0"/>
-              <a:t>We need to have cards that can have their values compared:</a:t>
-            </a:r>
-          </a:p>
-          <a:p>
-            <a:pPr lvl="1"/>
-            <a:r>
-              <a:rPr lang="en-US" dirty="0"/>
-              <a:t>Each card has a value, and the relative values are important here. </a:t>
-            </a:r>
-          </a:p>
-          <a:p>
-            <a:pPr lvl="1"/>
-            <a:r>
-              <a:rPr lang="en-US" dirty="0"/>
-              <a:t>Test by defining </a:t>
+              <a:t>We have an idea now of the core objects we need and how they relate. </a:t>
+            </a:r>
+          </a:p>
+          <a:p>
+            <a:r>
+              <a:rPr lang="en-US" dirty="0"/>
+              <a:t>We can start thinking of development. </a:t>
+            </a:r>
+          </a:p>
+          <a:p>
+            <a:pPr lvl="1"/>
+            <a:r>
+              <a:rPr lang="en-US" dirty="0"/>
+              <a:t>What functionality needs to be present in these things? </a:t>
+            </a:r>
+          </a:p>
+          <a:p>
+            <a:pPr lvl="2"/>
+            <a:r>
+              <a:rPr lang="en-US" dirty="0"/>
+              <a:t>Make decks, compare cards/decks, shuffle into hands, </a:t>
             </a:r>
             <a:r>
               <a:rPr lang="en-US" dirty="0" err="1"/>
-              <a:t>lt</a:t>
-            </a:r>
-            <a:r>
-              <a:rPr lang="en-US" dirty="0"/>
-              <a:t>/</a:t>
-            </a:r>
-            <a:r>
-              <a:rPr lang="en-US" dirty="0" err="1"/>
-              <a:t>gt</a:t>
-            </a:r>
-            <a:r>
-              <a:rPr lang="en-US" dirty="0"/>
-              <a:t>/eq and testing that sorting is correct in order (</a:t>
-            </a:r>
-            <a:r>
-              <a:rPr lang="en-US" dirty="0" err="1"/>
-              <a:t>wrt</a:t>
-            </a:r>
-            <a:r>
-              <a:rPr lang="en-US" dirty="0"/>
-              <a:t> poker reality). </a:t>
+              <a:t>etc</a:t>
+            </a:r>
+            <a:r>
+              <a:rPr lang="en-US" dirty="0"/>
+              <a:t>…</a:t>
+            </a:r>
+          </a:p>
+          <a:p>
+            <a:pPr lvl="1"/>
+            <a:r>
+              <a:rPr lang="en-US" dirty="0"/>
+              <a:t>Where does each part of the functionality lie?</a:t>
+            </a:r>
+          </a:p>
+          <a:p>
+            <a:pPr lvl="1"/>
+            <a:r>
+              <a:rPr lang="en-US" dirty="0"/>
+              <a:t>What can we do to verify that it works – here we are checking if the things we make will both run without error and that they follow the rules/functionality of poker. </a:t>
+            </a:r>
+          </a:p>
+          <a:p>
+            <a:r>
+              <a:rPr lang="en-US" dirty="0"/>
+              <a:t>We can start at the bottom, and move up the chain. </a:t>
+            </a:r>
+          </a:p>
+          <a:p>
+            <a:pPr lvl="1"/>
+            <a:r>
+              <a:rPr lang="en-US" dirty="0"/>
+              <a:t>If the card works, we can assume it’ll work when building decks, and so on… </a:t>
             </a:r>
           </a:p>
         </p:txBody>
@@ -3862,7 +3911,7 @@
     </p:spTree>
     <p:extLst>
       <p:ext uri="{BB962C8B-B14F-4D97-AF65-F5344CB8AC3E}">
-        <p14:creationId xmlns:p14="http://schemas.microsoft.com/office/powerpoint/2010/main" val="2558290909"/>
+        <p14:creationId xmlns:p14="http://schemas.microsoft.com/office/powerpoint/2010/main" val="3321087527"/>
       </p:ext>
     </p:extLst>
   </p:cSld>
@@ -3894,7 +3943,7 @@
           <p:cNvPr id="2" name="Title 1">
             <a:extLst>
               <a:ext uri="{FF2B5EF4-FFF2-40B4-BE49-F238E27FC236}">
-                <a16:creationId xmlns:a16="http://schemas.microsoft.com/office/drawing/2014/main" id="{6B92C059-9765-28D8-D991-0CD481884611}"/>
+                <a16:creationId xmlns:a16="http://schemas.microsoft.com/office/drawing/2014/main" id="{4F14CFF7-0470-431C-B694-81788D180F8E}"/>
               </a:ext>
             </a:extLst>
           </p:cNvPr>
@@ -3912,7 +3961,7 @@
           <a:p>
             <a:r>
               <a:rPr lang="en-US" dirty="0"/>
-              <a:t>Card Test and construction Note</a:t>
+              <a:t>Cards</a:t>
             </a:r>
           </a:p>
         </p:txBody>
@@ -3922,7 +3971,7 @@
           <p:cNvPr id="3" name="Content Placeholder 2">
             <a:extLst>
               <a:ext uri="{FF2B5EF4-FFF2-40B4-BE49-F238E27FC236}">
-                <a16:creationId xmlns:a16="http://schemas.microsoft.com/office/drawing/2014/main" id="{D3EC3352-49F5-49EA-ECBC-0BE2653B9CFD}"/>
+                <a16:creationId xmlns:a16="http://schemas.microsoft.com/office/drawing/2014/main" id="{5F6CCF3F-365D-A794-DF44-C7FA6BCFEB05}"/>
               </a:ext>
             </a:extLst>
           </p:cNvPr>
@@ -3935,8 +3984,8 @@
         </p:nvSpPr>
         <p:spPr>
           <a:xfrm>
-            <a:off x="1451579" y="2015732"/>
-            <a:ext cx="9603275" cy="4037749"/>
+            <a:off x="1451579" y="1932496"/>
+            <a:ext cx="9603275" cy="4120986"/>
           </a:xfrm>
         </p:spPr>
         <p:txBody>
@@ -3945,57 +3994,86 @@
           <a:p>
             <a:r>
               <a:rPr lang="en-US" dirty="0"/>
-              <a:t>In our current scheme, cards are very simple and very little is asked of them. </a:t>
-            </a:r>
-          </a:p>
-          <a:p>
-            <a:pPr lvl="1"/>
-            <a:r>
-              <a:rPr lang="en-US" dirty="0"/>
-              <a:t>They have two attributes. </a:t>
-            </a:r>
-          </a:p>
-          <a:p>
-            <a:pPr lvl="1"/>
-            <a:r>
-              <a:rPr lang="en-US" dirty="0"/>
-              <a:t>They can be compared based on those attributes. </a:t>
-            </a:r>
-          </a:p>
-          <a:p>
-            <a:r>
-              <a:rPr lang="en-US" dirty="0"/>
-              <a:t>As long as a card does this, it is good enough for us. </a:t>
-            </a:r>
-          </a:p>
-          <a:p>
-            <a:r>
-              <a:rPr lang="en-US" dirty="0"/>
-              <a:t>Everything else ”belongs” to some other part of playing poker. </a:t>
-            </a:r>
-          </a:p>
-          <a:p>
-            <a:pPr lvl="1"/>
-            <a:r>
-              <a:rPr lang="en-US" dirty="0"/>
-              <a:t>E.g. a card doesn’t know there can only be 5 of it in a hand, 52 of it in a deck, or that there are 5 same suited ones in a flush. </a:t>
-            </a:r>
-          </a:p>
-          <a:p>
-            <a:r>
-              <a:rPr lang="en-US" dirty="0"/>
-              <a:t>Keeping attributes/functionality “with its owner” makes constructing large things easier. </a:t>
-            </a:r>
-          </a:p>
-          <a:p>
-            <a:endParaRPr lang="en-US" dirty="0"/>
+              <a:t>A card is an object that everything else is build on, it has:</a:t>
+            </a:r>
+          </a:p>
+          <a:p>
+            <a:pPr lvl="1"/>
+            <a:r>
+              <a:rPr lang="en-US" dirty="0"/>
+              <a:t>Attributes – suit and value. </a:t>
+            </a:r>
+          </a:p>
+          <a:p>
+            <a:pPr lvl="1"/>
+            <a:r>
+              <a:rPr lang="en-US" dirty="0"/>
+              <a:t>Methods – print and compare. </a:t>
+            </a:r>
+          </a:p>
+          <a:p>
+            <a:r>
+              <a:rPr lang="en-US" dirty="0"/>
+              <a:t>We need to have a card that can generate a string that is usable for a ‘game’. </a:t>
+            </a:r>
+          </a:p>
+          <a:p>
+            <a:pPr lvl="1"/>
+            <a:r>
+              <a:rPr lang="en-US" dirty="0"/>
+              <a:t>Test by inspection. </a:t>
+            </a:r>
+          </a:p>
+          <a:p>
+            <a:r>
+              <a:rPr lang="en-US" dirty="0"/>
+              <a:t>We need to have cards that can have their values compared:</a:t>
+            </a:r>
+          </a:p>
+          <a:p>
+            <a:pPr lvl="1"/>
+            <a:r>
+              <a:rPr lang="en-US" dirty="0"/>
+              <a:t>Each card has a value, and the relative values are important here. </a:t>
+            </a:r>
+          </a:p>
+          <a:p>
+            <a:pPr lvl="1"/>
+            <a:r>
+              <a:rPr lang="en-US" dirty="0"/>
+              <a:t>Test by defining </a:t>
+            </a:r>
+            <a:r>
+              <a:rPr lang="en-US" dirty="0" err="1"/>
+              <a:t>lt</a:t>
+            </a:r>
+            <a:r>
+              <a:rPr lang="en-US" dirty="0"/>
+              <a:t>/</a:t>
+            </a:r>
+            <a:r>
+              <a:rPr lang="en-US" dirty="0" err="1"/>
+              <a:t>gt</a:t>
+            </a:r>
+            <a:r>
+              <a:rPr lang="en-US" dirty="0"/>
+              <a:t>/eq and testing that sorting is correct in order (</a:t>
+            </a:r>
+            <a:r>
+              <a:rPr lang="en-US" dirty="0" err="1"/>
+              <a:t>wrt</a:t>
+            </a:r>
+            <a:r>
+              <a:rPr lang="en-US" dirty="0"/>
+              <a:t> poker reality). </a:t>
+            </a:r>
           </a:p>
         </p:txBody>
       </p:sp>
     </p:spTree>
     <p:extLst>
       <p:ext uri="{BB962C8B-B14F-4D97-AF65-F5344CB8AC3E}">
-        <p14:creationId xmlns:p14="http://schemas.microsoft.com/office/powerpoint/2010/main" val="3778618300"/>
+        <p14:creationId xmlns:p14="http://schemas.microsoft.com/office/powerpoint/2010/main" val="2558290909"/>
       </p:ext>
     </p:extLst>
   </p:cSld>
@@ -4027,7 +4105,7 @@
           <p:cNvPr id="2" name="Title 1">
             <a:extLst>
               <a:ext uri="{FF2B5EF4-FFF2-40B4-BE49-F238E27FC236}">
-                <a16:creationId xmlns:a16="http://schemas.microsoft.com/office/drawing/2014/main" id="{7996CD28-A71C-4CA0-815E-3A10B8C55210}"/>
+                <a16:creationId xmlns:a16="http://schemas.microsoft.com/office/drawing/2014/main" id="{6B92C059-9765-28D8-D991-0CD481884611}"/>
               </a:ext>
             </a:extLst>
           </p:cNvPr>
@@ -4045,7 +4123,7 @@
           <a:p>
             <a:r>
               <a:rPr lang="en-US" dirty="0"/>
-              <a:t>Decks</a:t>
+              <a:t>Card Test and construction Note</a:t>
             </a:r>
           </a:p>
         </p:txBody>
@@ -4055,7 +4133,7 @@
           <p:cNvPr id="3" name="Content Placeholder 2">
             <a:extLst>
               <a:ext uri="{FF2B5EF4-FFF2-40B4-BE49-F238E27FC236}">
-                <a16:creationId xmlns:a16="http://schemas.microsoft.com/office/drawing/2014/main" id="{0D46D1FB-47C8-10FB-413F-E16EF89F93A2}"/>
+                <a16:creationId xmlns:a16="http://schemas.microsoft.com/office/drawing/2014/main" id="{D3EC3352-49F5-49EA-ECBC-0BE2653B9CFD}"/>
               </a:ext>
             </a:extLst>
           </p:cNvPr>
@@ -4068,8 +4146,8 @@
         </p:nvSpPr>
         <p:spPr>
           <a:xfrm>
-            <a:off x="1451579" y="1853754"/>
-            <a:ext cx="9603275" cy="4199727"/>
+            <a:off x="1451579" y="2015732"/>
+            <a:ext cx="9603275" cy="4037749"/>
           </a:xfrm>
         </p:spPr>
         <p:txBody>
@@ -4078,92 +4156,57 @@
           <a:p>
             <a:r>
               <a:rPr lang="en-US" dirty="0"/>
-              <a:t>Decks are compilations of cards, having:</a:t>
-            </a:r>
-          </a:p>
-          <a:p>
-            <a:pPr lvl="1"/>
-            <a:r>
-              <a:rPr lang="en-US" dirty="0"/>
-              <a:t>Attributes: the collection of cards currently in the deck. </a:t>
-            </a:r>
-          </a:p>
-          <a:p>
-            <a:pPr lvl="1"/>
-            <a:r>
-              <a:rPr lang="en-US" dirty="0"/>
-              <a:t>Methods: shuffle, deal, print, sort/compare(?), next (iteration), </a:t>
-            </a:r>
-            <a:r>
-              <a:rPr lang="en-US" dirty="0" err="1"/>
-              <a:t>etc</a:t>
-            </a:r>
-            <a:r>
-              <a:rPr lang="en-US" dirty="0"/>
-              <a:t>…</a:t>
-            </a:r>
-          </a:p>
-          <a:p>
-            <a:r>
-              <a:rPr lang="en-US" dirty="0"/>
-              <a:t>Deck needs to be able to do what is needed of it in a poker game. </a:t>
-            </a:r>
-          </a:p>
-          <a:p>
-            <a:pPr lvl="1"/>
-            <a:r>
-              <a:rPr lang="en-US" dirty="0"/>
-              <a:t>“Fresh deck”, shuffle, deal, print. </a:t>
-            </a:r>
-          </a:p>
-          <a:p>
-            <a:r>
-              <a:rPr lang="en-US" dirty="0"/>
-              <a:t>How can we verify this works?</a:t>
-            </a:r>
-          </a:p>
-          <a:p>
-            <a:pPr lvl="1"/>
-            <a:r>
-              <a:rPr lang="en-US" dirty="0"/>
-              <a:t>Create a full deck, check that it is full. </a:t>
-            </a:r>
-          </a:p>
-          <a:p>
-            <a:pPr lvl="1"/>
-            <a:r>
-              <a:rPr lang="en-US" dirty="0"/>
-              <a:t>Shuffle, check order is different. </a:t>
-            </a:r>
-          </a:p>
-          <a:p>
-            <a:pPr lvl="1"/>
-            <a:r>
-              <a:rPr lang="en-US" dirty="0"/>
-              <a:t>Deal some hands, check that the deck is missing cards, those are in hands. </a:t>
-            </a:r>
-          </a:p>
-          <a:p>
-            <a:pPr lvl="1"/>
-            <a:r>
-              <a:rPr lang="en-US" dirty="0"/>
-              <a:t>“Refresh” in some way to deal the next hand (new deck? Reset values, </a:t>
-            </a:r>
-            <a:r>
-              <a:rPr lang="en-US" dirty="0" err="1"/>
-              <a:t>etc</a:t>
-            </a:r>
-            <a:r>
-              <a:rPr lang="en-US" dirty="0"/>
-              <a:t>…)</a:t>
-            </a:r>
+              <a:t>In our current scheme, cards are very simple and very little is asked of them. </a:t>
+            </a:r>
+          </a:p>
+          <a:p>
+            <a:pPr lvl="1"/>
+            <a:r>
+              <a:rPr lang="en-US" dirty="0"/>
+              <a:t>They have two attributes. </a:t>
+            </a:r>
+          </a:p>
+          <a:p>
+            <a:pPr lvl="1"/>
+            <a:r>
+              <a:rPr lang="en-US" dirty="0"/>
+              <a:t>They can be compared based on those attributes. </a:t>
+            </a:r>
+          </a:p>
+          <a:p>
+            <a:r>
+              <a:rPr lang="en-US" dirty="0"/>
+              <a:t>As long as a card does this, it is good enough for us. </a:t>
+            </a:r>
+          </a:p>
+          <a:p>
+            <a:r>
+              <a:rPr lang="en-US" dirty="0"/>
+              <a:t>Everything else ”belongs” to some other part of playing poker. </a:t>
+            </a:r>
+          </a:p>
+          <a:p>
+            <a:pPr lvl="1"/>
+            <a:r>
+              <a:rPr lang="en-US" dirty="0"/>
+              <a:t>E.g. a card doesn’t know there can only be 5 of it in a hand, 52 of it in a deck, or that there are 5 same suited ones in a flush. </a:t>
+            </a:r>
+          </a:p>
+          <a:p>
+            <a:r>
+              <a:rPr lang="en-US" dirty="0"/>
+              <a:t>Keeping attributes/functionality “with its owner” makes constructing large things easier. </a:t>
+            </a:r>
+          </a:p>
+          <a:p>
+            <a:endParaRPr lang="en-US" dirty="0"/>
           </a:p>
         </p:txBody>
       </p:sp>
     </p:spTree>
     <p:extLst>
       <p:ext uri="{BB962C8B-B14F-4D97-AF65-F5344CB8AC3E}">
-        <p14:creationId xmlns:p14="http://schemas.microsoft.com/office/powerpoint/2010/main" val="2235008999"/>
+        <p14:creationId xmlns:p14="http://schemas.microsoft.com/office/powerpoint/2010/main" val="3778618300"/>
       </p:ext>
     </p:extLst>
   </p:cSld>
@@ -4195,7 +4238,7 @@
           <p:cNvPr id="2" name="Title 1">
             <a:extLst>
               <a:ext uri="{FF2B5EF4-FFF2-40B4-BE49-F238E27FC236}">
-                <a16:creationId xmlns:a16="http://schemas.microsoft.com/office/drawing/2014/main" id="{30F3655E-9B32-EB21-20A5-80A12A594908}"/>
+                <a16:creationId xmlns:a16="http://schemas.microsoft.com/office/drawing/2014/main" id="{7996CD28-A71C-4CA0-815E-3A10B8C55210}"/>
               </a:ext>
             </a:extLst>
           </p:cNvPr>
@@ -4213,7 +4256,7 @@
           <a:p>
             <a:r>
               <a:rPr lang="en-US" dirty="0"/>
-              <a:t>Hands</a:t>
+              <a:t>Decks</a:t>
             </a:r>
           </a:p>
         </p:txBody>
@@ -4223,7 +4266,7 @@
           <p:cNvPr id="3" name="Content Placeholder 2">
             <a:extLst>
               <a:ext uri="{FF2B5EF4-FFF2-40B4-BE49-F238E27FC236}">
-                <a16:creationId xmlns:a16="http://schemas.microsoft.com/office/drawing/2014/main" id="{4887F7CE-14D4-CE28-E9A8-77D8A5F3F970}"/>
+                <a16:creationId xmlns:a16="http://schemas.microsoft.com/office/drawing/2014/main" id="{0D46D1FB-47C8-10FB-413F-E16EF89F93A2}"/>
               </a:ext>
             </a:extLst>
           </p:cNvPr>
@@ -4246,67 +4289,84 @@
           <a:p>
             <a:r>
               <a:rPr lang="en-US" dirty="0"/>
-              <a:t>Hands are a child of a deck, also a grouping of cards. </a:t>
-            </a:r>
-          </a:p>
-          <a:p>
-            <a:r>
-              <a:rPr lang="en-US" dirty="0"/>
-              <a:t>Differ from decks because they have a specific value for that hand in poker and size limit.</a:t>
-            </a:r>
-          </a:p>
-          <a:p>
-            <a:pPr lvl="1"/>
-            <a:r>
-              <a:rPr lang="en-US" dirty="0"/>
-              <a:t>The class should probably be named </a:t>
+              <a:t>Decks are compilations of cards, having:</a:t>
+            </a:r>
+          </a:p>
+          <a:p>
+            <a:pPr lvl="1"/>
+            <a:r>
+              <a:rPr lang="en-US" dirty="0"/>
+              <a:t>Attributes: the collection of cards currently in the deck. </a:t>
+            </a:r>
+          </a:p>
+          <a:p>
+            <a:pPr lvl="1"/>
+            <a:r>
+              <a:rPr lang="en-US" dirty="0"/>
+              <a:t>Methods: shuffle, deal, print, sort/compare(?), next (iteration), </a:t>
             </a:r>
             <a:r>
               <a:rPr lang="en-US" dirty="0" err="1"/>
-              <a:t>FiveCardStudHand</a:t>
-            </a:r>
-            <a:r>
-              <a:rPr lang="en-US" dirty="0"/>
-              <a:t> or similar to be accurate. </a:t>
-            </a:r>
-          </a:p>
-          <a:p>
-            <a:r>
-              <a:rPr lang="en-US" dirty="0"/>
-              <a:t>They must do everything a hand needs to do in poker. </a:t>
-            </a:r>
-          </a:p>
-          <a:p>
-            <a:pPr lvl="1"/>
-            <a:r>
-              <a:rPr lang="en-US" dirty="0"/>
-              <a:t>Compare values with other hands, add/remove cards, print. </a:t>
-            </a:r>
-          </a:p>
-          <a:p>
-            <a:pPr lvl="1"/>
-            <a:r>
-              <a:rPr lang="en-US" dirty="0"/>
-              <a:t>The betting rounds aren’t really connected to the hand, it just holds stuff. </a:t>
-            </a:r>
-          </a:p>
-          <a:p>
-            <a:r>
-              <a:rPr lang="en-US" dirty="0"/>
-              <a:t>How do we test that? </a:t>
-            </a:r>
-          </a:p>
-          <a:p>
-            <a:pPr lvl="1"/>
-            <a:r>
-              <a:rPr lang="en-US" dirty="0"/>
-              <a:t>Hands have poker values, sort of a set of hands for order checking. </a:t>
-            </a:r>
-          </a:p>
-          <a:p>
-            <a:r>
-              <a:rPr lang="en-US" dirty="0"/>
-              <a:t>Add/remove sounds like is a parental thing here, it is kind of like dealing?</a:t>
+              <a:t>etc</a:t>
+            </a:r>
+            <a:r>
+              <a:rPr lang="en-US" dirty="0"/>
+              <a:t>…</a:t>
+            </a:r>
+          </a:p>
+          <a:p>
+            <a:r>
+              <a:rPr lang="en-US" dirty="0"/>
+              <a:t>Deck needs to be able to do what is needed of it in a poker game. </a:t>
+            </a:r>
+          </a:p>
+          <a:p>
+            <a:pPr lvl="1"/>
+            <a:r>
+              <a:rPr lang="en-US" dirty="0"/>
+              <a:t>“Fresh deck”, shuffle, deal, print. </a:t>
+            </a:r>
+          </a:p>
+          <a:p>
+            <a:r>
+              <a:rPr lang="en-US" dirty="0"/>
+              <a:t>How can we verify this works?</a:t>
+            </a:r>
+          </a:p>
+          <a:p>
+            <a:pPr lvl="1"/>
+            <a:r>
+              <a:rPr lang="en-US" dirty="0"/>
+              <a:t>Create a full deck, check that it is full. </a:t>
+            </a:r>
+          </a:p>
+          <a:p>
+            <a:pPr lvl="1"/>
+            <a:r>
+              <a:rPr lang="en-US" dirty="0"/>
+              <a:t>Shuffle, check order is different. </a:t>
+            </a:r>
+          </a:p>
+          <a:p>
+            <a:pPr lvl="1"/>
+            <a:r>
+              <a:rPr lang="en-US" dirty="0"/>
+              <a:t>Deal some hands, check that the deck is missing cards, those are in hands. </a:t>
+            </a:r>
+          </a:p>
+          <a:p>
+            <a:pPr lvl="1"/>
+            <a:r>
+              <a:rPr lang="en-US" dirty="0"/>
+              <a:t>“Refresh” in some way to deal the next hand (new deck? Reset values, </a:t>
+            </a:r>
+            <a:r>
+              <a:rPr lang="en-US" dirty="0" err="1"/>
+              <a:t>etc</a:t>
+            </a:r>
+            <a:r>
+              <a:rPr lang="en-US" dirty="0"/>
+              <a:t>…)</a:t>
             </a:r>
           </a:p>
         </p:txBody>
@@ -4314,7 +4374,7 @@
     </p:spTree>
     <p:extLst>
       <p:ext uri="{BB962C8B-B14F-4D97-AF65-F5344CB8AC3E}">
-        <p14:creationId xmlns:p14="http://schemas.microsoft.com/office/powerpoint/2010/main" val="1438011908"/>
+        <p14:creationId xmlns:p14="http://schemas.microsoft.com/office/powerpoint/2010/main" val="2235008999"/>
       </p:ext>
     </p:extLst>
   </p:cSld>
@@ -4346,6 +4406,157 @@
           <p:cNvPr id="2" name="Title 1">
             <a:extLst>
               <a:ext uri="{FF2B5EF4-FFF2-40B4-BE49-F238E27FC236}">
+                <a16:creationId xmlns:a16="http://schemas.microsoft.com/office/drawing/2014/main" id="{30F3655E-9B32-EB21-20A5-80A12A594908}"/>
+              </a:ext>
+            </a:extLst>
+          </p:cNvPr>
+          <p:cNvSpPr>
+            <a:spLocks noGrp="1"/>
+          </p:cNvSpPr>
+          <p:nvPr>
+            <p:ph type="title"/>
+          </p:nvPr>
+        </p:nvSpPr>
+        <p:spPr/>
+        <p:txBody>
+          <a:bodyPr/>
+          <a:lstStyle/>
+          <a:p>
+            <a:r>
+              <a:rPr lang="en-US" dirty="0"/>
+              <a:t>Hands</a:t>
+            </a:r>
+          </a:p>
+        </p:txBody>
+      </p:sp>
+      <p:sp>
+        <p:nvSpPr>
+          <p:cNvPr id="3" name="Content Placeholder 2">
+            <a:extLst>
+              <a:ext uri="{FF2B5EF4-FFF2-40B4-BE49-F238E27FC236}">
+                <a16:creationId xmlns:a16="http://schemas.microsoft.com/office/drawing/2014/main" id="{4887F7CE-14D4-CE28-E9A8-77D8A5F3F970}"/>
+              </a:ext>
+            </a:extLst>
+          </p:cNvPr>
+          <p:cNvSpPr>
+            <a:spLocks noGrp="1"/>
+          </p:cNvSpPr>
+          <p:nvPr>
+            <p:ph idx="1"/>
+          </p:nvPr>
+        </p:nvSpPr>
+        <p:spPr>
+          <a:xfrm>
+            <a:off x="1451579" y="1853754"/>
+            <a:ext cx="9603275" cy="4199727"/>
+          </a:xfrm>
+        </p:spPr>
+        <p:txBody>
+          <a:bodyPr/>
+          <a:lstStyle/>
+          <a:p>
+            <a:r>
+              <a:rPr lang="en-US" dirty="0"/>
+              <a:t>Hands are a child of a deck, also a grouping of cards. </a:t>
+            </a:r>
+          </a:p>
+          <a:p>
+            <a:r>
+              <a:rPr lang="en-US" dirty="0"/>
+              <a:t>Differ from decks because they have a specific value for that hand in poker and size limit.</a:t>
+            </a:r>
+          </a:p>
+          <a:p>
+            <a:pPr lvl="1"/>
+            <a:r>
+              <a:rPr lang="en-US" dirty="0"/>
+              <a:t>The class should probably be named </a:t>
+            </a:r>
+            <a:r>
+              <a:rPr lang="en-US" dirty="0" err="1"/>
+              <a:t>FiveCardStudHand</a:t>
+            </a:r>
+            <a:r>
+              <a:rPr lang="en-US" dirty="0"/>
+              <a:t> or similar to be accurate. </a:t>
+            </a:r>
+          </a:p>
+          <a:p>
+            <a:r>
+              <a:rPr lang="en-US" dirty="0"/>
+              <a:t>They must do everything a hand needs to do in poker. </a:t>
+            </a:r>
+          </a:p>
+          <a:p>
+            <a:pPr lvl="1"/>
+            <a:r>
+              <a:rPr lang="en-US" dirty="0"/>
+              <a:t>Compare values with other hands, add/remove cards, print. </a:t>
+            </a:r>
+          </a:p>
+          <a:p>
+            <a:pPr lvl="1"/>
+            <a:r>
+              <a:rPr lang="en-US" dirty="0"/>
+              <a:t>The betting rounds aren’t really connected to the hand, it just holds stuff. </a:t>
+            </a:r>
+          </a:p>
+          <a:p>
+            <a:r>
+              <a:rPr lang="en-US" dirty="0"/>
+              <a:t>How do we test that? </a:t>
+            </a:r>
+          </a:p>
+          <a:p>
+            <a:pPr lvl="1"/>
+            <a:r>
+              <a:rPr lang="en-US" dirty="0"/>
+              <a:t>Hands have poker values, sort of a set of hands for order checking. </a:t>
+            </a:r>
+          </a:p>
+          <a:p>
+            <a:r>
+              <a:rPr lang="en-US" dirty="0"/>
+              <a:t>Add/remove sounds like is a parental thing here, it is kind of like dealing?</a:t>
+            </a:r>
+          </a:p>
+        </p:txBody>
+      </p:sp>
+    </p:spTree>
+    <p:extLst>
+      <p:ext uri="{BB962C8B-B14F-4D97-AF65-F5344CB8AC3E}">
+        <p14:creationId xmlns:p14="http://schemas.microsoft.com/office/powerpoint/2010/main" val="1438011908"/>
+      </p:ext>
+    </p:extLst>
+  </p:cSld>
+  <p:clrMapOvr>
+    <a:masterClrMapping/>
+  </p:clrMapOvr>
+</p:sld>
+</file>
+
+<file path=ppt/slides/slide15.xml><?xml version="1.0" encoding="utf-8"?>
+<p:sld xmlns:a="http://schemas.openxmlformats.org/drawingml/2006/main" xmlns:r="http://schemas.openxmlformats.org/officeDocument/2006/relationships" xmlns:p="http://schemas.openxmlformats.org/presentationml/2006/main">
+  <p:cSld>
+    <p:spTree>
+      <p:nvGrpSpPr>
+        <p:cNvPr id="1" name=""/>
+        <p:cNvGrpSpPr/>
+        <p:nvPr/>
+      </p:nvGrpSpPr>
+      <p:grpSpPr>
+        <a:xfrm>
+          <a:off x="0" y="0"/>
+          <a:ext cx="0" cy="0"/>
+          <a:chOff x="0" y="0"/>
+          <a:chExt cx="0" cy="0"/>
+        </a:xfrm>
+      </p:grpSpPr>
+      <p:sp>
+        <p:nvSpPr>
+          <p:cNvPr id="2" name="Title 1">
+            <a:extLst>
+              <a:ext uri="{FF2B5EF4-FFF2-40B4-BE49-F238E27FC236}">
                 <a16:creationId xmlns:a16="http://schemas.microsoft.com/office/drawing/2014/main" id="{BF060A42-DFD3-8DA5-BDAC-72ADFA5C471E}"/>
               </a:ext>
             </a:extLst>
@@ -4472,13 +4683,8 @@
             <a:pPr lvl="1"/>
             <a:r>
               <a:rPr lang="en-US" dirty="0"/>
-              <a:t>Provie next – this is the next thing to provide </a:t>
-            </a:r>
-            <a:r>
-              <a:rPr lang="en-US"/>
-              <a:t>if looping. </a:t>
-            </a:r>
-            <a:endParaRPr lang="en-US" dirty="0"/>
+              <a:t>Provie next – this is the next thing to provide if looping. </a:t>
+            </a:r>
           </a:p>
           <a:p>
             <a:pPr lvl="1"/>
@@ -4562,158 +4768,6 @@
 </p:sld>
 </file>
 
-<file path=ppt/slides/slide15.xml><?xml version="1.0" encoding="utf-8"?>
-<p:sld xmlns:a="http://schemas.openxmlformats.org/drawingml/2006/main" xmlns:r="http://schemas.openxmlformats.org/officeDocument/2006/relationships" xmlns:p="http://schemas.openxmlformats.org/presentationml/2006/main">
-  <p:cSld>
-    <p:spTree>
-      <p:nvGrpSpPr>
-        <p:cNvPr id="1" name=""/>
-        <p:cNvGrpSpPr/>
-        <p:nvPr/>
-      </p:nvGrpSpPr>
-      <p:grpSpPr>
-        <a:xfrm>
-          <a:off x="0" y="0"/>
-          <a:ext cx="0" cy="0"/>
-          <a:chOff x="0" y="0"/>
-          <a:chExt cx="0" cy="0"/>
-        </a:xfrm>
-      </p:grpSpPr>
-      <p:sp>
-        <p:nvSpPr>
-          <p:cNvPr id="2" name="Title 1">
-            <a:extLst>
-              <a:ext uri="{FF2B5EF4-FFF2-40B4-BE49-F238E27FC236}">
-                <a16:creationId xmlns:a16="http://schemas.microsoft.com/office/drawing/2014/main" id="{48DC130A-1FE9-255D-F77B-DD64D940D517}"/>
-              </a:ext>
-            </a:extLst>
-          </p:cNvPr>
-          <p:cNvSpPr>
-            <a:spLocks noGrp="1"/>
-          </p:cNvSpPr>
-          <p:nvPr>
-            <p:ph type="title"/>
-          </p:nvPr>
-        </p:nvSpPr>
-        <p:spPr/>
-        <p:txBody>
-          <a:bodyPr/>
-          <a:lstStyle/>
-          <a:p>
-            <a:r>
-              <a:rPr lang="en-US" dirty="0"/>
-              <a:t>Let’s program!</a:t>
-            </a:r>
-          </a:p>
-        </p:txBody>
-      </p:sp>
-      <p:sp>
-        <p:nvSpPr>
-          <p:cNvPr id="3" name="Content Placeholder 2">
-            <a:extLst>
-              <a:ext uri="{FF2B5EF4-FFF2-40B4-BE49-F238E27FC236}">
-                <a16:creationId xmlns:a16="http://schemas.microsoft.com/office/drawing/2014/main" id="{34C6CAB6-B727-D091-310D-02C9DC137AA2}"/>
-              </a:ext>
-            </a:extLst>
-          </p:cNvPr>
-          <p:cNvSpPr>
-            <a:spLocks noGrp="1"/>
-          </p:cNvSpPr>
-          <p:nvPr>
-            <p:ph idx="1"/>
-          </p:nvPr>
-        </p:nvSpPr>
-        <p:spPr>
-          <a:xfrm>
-            <a:off x="1451579" y="1853754"/>
-            <a:ext cx="9603275" cy="4199727"/>
-          </a:xfrm>
-        </p:spPr>
-        <p:txBody>
-          <a:bodyPr/>
-          <a:lstStyle/>
-          <a:p>
-            <a:r>
-              <a:rPr lang="en-US" dirty="0"/>
-              <a:t>We have a rough outline of what we need to get started. </a:t>
-            </a:r>
-          </a:p>
-          <a:p>
-            <a:r>
-              <a:rPr lang="en-US" dirty="0"/>
-              <a:t>If this works, we should be able to make a deck of cards, deal some hands, determine which one wins, and then ‘reset’ the game to be ready for another hand. </a:t>
-            </a:r>
-          </a:p>
-          <a:p>
-            <a:pPr lvl="1"/>
-            <a:r>
-              <a:rPr lang="en-US" dirty="0"/>
-              <a:t>Other concerns to test – size limits? Adding invalid cards? Comparing diff sized hands? </a:t>
-            </a:r>
-          </a:p>
-          <a:p>
-            <a:r>
-              <a:rPr lang="en-US" dirty="0"/>
-              <a:t>If these items and actions work, we can later use them to build a game. </a:t>
-            </a:r>
-          </a:p>
-          <a:p>
-            <a:pPr lvl="1"/>
-            <a:r>
-              <a:rPr lang="en-US" dirty="0"/>
-              <a:t>Games have players, players have banks, players hold hands, games have decks, </a:t>
-            </a:r>
-            <a:r>
-              <a:rPr lang="en-US" dirty="0" err="1"/>
-              <a:t>etc</a:t>
-            </a:r>
-            <a:r>
-              <a:rPr lang="en-US" dirty="0"/>
-              <a:t>…</a:t>
-            </a:r>
-          </a:p>
-          <a:p>
-            <a:pPr lvl="1"/>
-            <a:r>
-              <a:rPr lang="en-US" dirty="0"/>
-              <a:t>If the components work, we can also make a different card game more easily, how?</a:t>
-            </a:r>
-          </a:p>
-          <a:p>
-            <a:r>
-              <a:rPr lang="en-US" dirty="0"/>
-              <a:t>Not everything is defined or solved yet, but we have a framework to build on. </a:t>
-            </a:r>
-          </a:p>
-          <a:p>
-            <a:r>
-              <a:rPr lang="en-US" dirty="0"/>
-              <a:t>If something is missing, does it belong here or elsewhere (player, game, </a:t>
-            </a:r>
-            <a:r>
-              <a:rPr lang="en-US" dirty="0" err="1"/>
-              <a:t>etc</a:t>
-            </a:r>
-            <a:r>
-              <a:rPr lang="en-US" dirty="0"/>
-              <a:t>…?)</a:t>
-            </a:r>
-          </a:p>
-        </p:txBody>
-      </p:sp>
-    </p:spTree>
-    <p:extLst>
-      <p:ext uri="{BB962C8B-B14F-4D97-AF65-F5344CB8AC3E}">
-        <p14:creationId xmlns:p14="http://schemas.microsoft.com/office/powerpoint/2010/main" val="2369848873"/>
-      </p:ext>
-    </p:extLst>
-  </p:cSld>
-  <p:clrMapOvr>
-    <a:masterClrMapping/>
-  </p:clrMapOvr>
-</p:sld>
-</file>
-
 <file path=ppt/slides/slide16.xml><?xml version="1.0" encoding="utf-8"?>
 <p:sld xmlns:a="http://schemas.openxmlformats.org/drawingml/2006/main" xmlns:r="http://schemas.openxmlformats.org/officeDocument/2006/relationships" xmlns:p="http://schemas.openxmlformats.org/presentationml/2006/main">
   <p:cSld>
@@ -4736,6 +4790,335 @@
           <p:cNvPr id="2" name="Title 1">
             <a:extLst>
               <a:ext uri="{FF2B5EF4-FFF2-40B4-BE49-F238E27FC236}">
+                <a16:creationId xmlns:a16="http://schemas.microsoft.com/office/drawing/2014/main" id="{154569B3-D3A6-7692-BC16-BEF9F5A47B78}"/>
+              </a:ext>
+            </a:extLst>
+          </p:cNvPr>
+          <p:cNvSpPr>
+            <a:spLocks noGrp="1"/>
+          </p:cNvSpPr>
+          <p:nvPr>
+            <p:ph type="title"/>
+          </p:nvPr>
+        </p:nvSpPr>
+        <p:spPr/>
+        <p:txBody>
+          <a:bodyPr/>
+          <a:lstStyle/>
+          <a:p>
+            <a:r>
+              <a:rPr lang="en-US" dirty="0"/>
+              <a:t>Interface Usage and Ducks</a:t>
+            </a:r>
+          </a:p>
+        </p:txBody>
+      </p:sp>
+      <p:sp>
+        <p:nvSpPr>
+          <p:cNvPr id="3" name="Content Placeholder 2">
+            <a:extLst>
+              <a:ext uri="{FF2B5EF4-FFF2-40B4-BE49-F238E27FC236}">
+                <a16:creationId xmlns:a16="http://schemas.microsoft.com/office/drawing/2014/main" id="{D312780B-9F2D-A099-EAC4-3A88A656F45E}"/>
+              </a:ext>
+            </a:extLst>
+          </p:cNvPr>
+          <p:cNvSpPr>
+            <a:spLocks noGrp="1"/>
+          </p:cNvSpPr>
+          <p:nvPr>
+            <p:ph idx="1"/>
+          </p:nvPr>
+        </p:nvSpPr>
+        <p:spPr>
+          <a:xfrm>
+            <a:off x="1216058" y="1853754"/>
+            <a:ext cx="10180947" cy="4199727"/>
+          </a:xfrm>
+        </p:spPr>
+        <p:txBody>
+          <a:bodyPr/>
+          <a:lstStyle/>
+          <a:p>
+            <a:r>
+              <a:rPr lang="en-US" dirty="0"/>
+              <a:t>In this case, we would call the </a:t>
+            </a:r>
+            <a:r>
+              <a:rPr lang="en-US" dirty="0" err="1"/>
+              <a:t>iterable</a:t>
+            </a:r>
+            <a:r>
+              <a:rPr lang="en-US" dirty="0"/>
+              <a:t> an interface. </a:t>
+            </a:r>
+          </a:p>
+          <a:p>
+            <a:r>
+              <a:rPr lang="en-US" dirty="0"/>
+              <a:t>An interface is basically a set of rules that a class must adhere to. </a:t>
+            </a:r>
+          </a:p>
+          <a:p>
+            <a:pPr lvl="1"/>
+            <a:r>
+              <a:rPr lang="en-US" dirty="0"/>
+              <a:t>Generally, there are specific methods that must be implemented. </a:t>
+            </a:r>
+          </a:p>
+          <a:p>
+            <a:r>
+              <a:rPr lang="en-US" dirty="0"/>
+              <a:t>In, for example, Java, the interface is a strict set of requirements and if our class declares that we will implement it then that object will be allowed to “work as” the interface thing. </a:t>
+            </a:r>
+          </a:p>
+          <a:p>
+            <a:pPr lvl="1"/>
+            <a:r>
+              <a:rPr lang="en-US" dirty="0"/>
+              <a:t>E.g. we can say “this deck implements </a:t>
+            </a:r>
+            <a:r>
+              <a:rPr lang="en-US" dirty="0" err="1"/>
+              <a:t>iterable</a:t>
+            </a:r>
+            <a:r>
+              <a:rPr lang="en-US" dirty="0"/>
+              <a:t>” and it’ll be usable as one. </a:t>
+            </a:r>
+          </a:p>
+          <a:p>
+            <a:r>
+              <a:rPr lang="en-US" dirty="0"/>
+              <a:t>In python, we can do this informally, as we are, thanks to the duck types (and abstract classes). </a:t>
+            </a:r>
+          </a:p>
+          <a:p>
+            <a:pPr lvl="1"/>
+            <a:r>
+              <a:rPr lang="en-US" dirty="0"/>
+              <a:t>The </a:t>
+            </a:r>
+            <a:r>
+              <a:rPr lang="en-US" dirty="0" err="1"/>
+              <a:t>iterable</a:t>
+            </a:r>
+            <a:r>
+              <a:rPr lang="en-US" dirty="0"/>
+              <a:t> requirements are next and </a:t>
+            </a:r>
+            <a:r>
+              <a:rPr lang="en-US" dirty="0" err="1"/>
+              <a:t>iter</a:t>
+            </a:r>
+            <a:r>
+              <a:rPr lang="en-US" dirty="0"/>
+              <a:t>, as long as those are there, our thing is </a:t>
+            </a:r>
+            <a:r>
+              <a:rPr lang="en-US" dirty="0" err="1"/>
+              <a:t>iterable</a:t>
+            </a:r>
+            <a:r>
+              <a:rPr lang="en-US" dirty="0"/>
+              <a:t>. </a:t>
+            </a:r>
+          </a:p>
+          <a:p>
+            <a:pPr lvl="1"/>
+            <a:r>
+              <a:rPr lang="en-US" dirty="0"/>
+              <a:t>We don’t need to make it explicit, we just need to make it work. </a:t>
+            </a:r>
+          </a:p>
+        </p:txBody>
+      </p:sp>
+    </p:spTree>
+    <p:extLst>
+      <p:ext uri="{BB962C8B-B14F-4D97-AF65-F5344CB8AC3E}">
+        <p14:creationId xmlns:p14="http://schemas.microsoft.com/office/powerpoint/2010/main" val="3526984261"/>
+      </p:ext>
+    </p:extLst>
+  </p:cSld>
+  <p:clrMapOvr>
+    <a:masterClrMapping/>
+  </p:clrMapOvr>
+</p:sld>
+</file>
+
+<file path=ppt/slides/slide17.xml><?xml version="1.0" encoding="utf-8"?>
+<p:sld xmlns:a="http://schemas.openxmlformats.org/drawingml/2006/main" xmlns:r="http://schemas.openxmlformats.org/officeDocument/2006/relationships" xmlns:p="http://schemas.openxmlformats.org/presentationml/2006/main">
+  <p:cSld>
+    <p:spTree>
+      <p:nvGrpSpPr>
+        <p:cNvPr id="1" name=""/>
+        <p:cNvGrpSpPr/>
+        <p:nvPr/>
+      </p:nvGrpSpPr>
+      <p:grpSpPr>
+        <a:xfrm>
+          <a:off x="0" y="0"/>
+          <a:ext cx="0" cy="0"/>
+          <a:chOff x="0" y="0"/>
+          <a:chExt cx="0" cy="0"/>
+        </a:xfrm>
+      </p:grpSpPr>
+      <p:sp>
+        <p:nvSpPr>
+          <p:cNvPr id="2" name="Title 1">
+            <a:extLst>
+              <a:ext uri="{FF2B5EF4-FFF2-40B4-BE49-F238E27FC236}">
+                <a16:creationId xmlns:a16="http://schemas.microsoft.com/office/drawing/2014/main" id="{48DC130A-1FE9-255D-F77B-DD64D940D517}"/>
+              </a:ext>
+            </a:extLst>
+          </p:cNvPr>
+          <p:cNvSpPr>
+            <a:spLocks noGrp="1"/>
+          </p:cNvSpPr>
+          <p:nvPr>
+            <p:ph type="title"/>
+          </p:nvPr>
+        </p:nvSpPr>
+        <p:spPr/>
+        <p:txBody>
+          <a:bodyPr/>
+          <a:lstStyle/>
+          <a:p>
+            <a:r>
+              <a:rPr lang="en-US" dirty="0"/>
+              <a:t>Let’s program!</a:t>
+            </a:r>
+          </a:p>
+        </p:txBody>
+      </p:sp>
+      <p:sp>
+        <p:nvSpPr>
+          <p:cNvPr id="3" name="Content Placeholder 2">
+            <a:extLst>
+              <a:ext uri="{FF2B5EF4-FFF2-40B4-BE49-F238E27FC236}">
+                <a16:creationId xmlns:a16="http://schemas.microsoft.com/office/drawing/2014/main" id="{34C6CAB6-B727-D091-310D-02C9DC137AA2}"/>
+              </a:ext>
+            </a:extLst>
+          </p:cNvPr>
+          <p:cNvSpPr>
+            <a:spLocks noGrp="1"/>
+          </p:cNvSpPr>
+          <p:nvPr>
+            <p:ph idx="1"/>
+          </p:nvPr>
+        </p:nvSpPr>
+        <p:spPr>
+          <a:xfrm>
+            <a:off x="1451579" y="1853754"/>
+            <a:ext cx="9603275" cy="4199727"/>
+          </a:xfrm>
+        </p:spPr>
+        <p:txBody>
+          <a:bodyPr/>
+          <a:lstStyle/>
+          <a:p>
+            <a:r>
+              <a:rPr lang="en-US" dirty="0"/>
+              <a:t>We have a rough outline of what we need to get started. </a:t>
+            </a:r>
+          </a:p>
+          <a:p>
+            <a:r>
+              <a:rPr lang="en-US" dirty="0"/>
+              <a:t>If this works, we should be able to make a deck of cards, deal some hands, determine which one wins, and then ‘reset’ the game to be ready for another hand. </a:t>
+            </a:r>
+          </a:p>
+          <a:p>
+            <a:pPr lvl="1"/>
+            <a:r>
+              <a:rPr lang="en-US" dirty="0"/>
+              <a:t>Other concerns to test – size limits? Adding invalid cards? Comparing diff sized hands? </a:t>
+            </a:r>
+          </a:p>
+          <a:p>
+            <a:r>
+              <a:rPr lang="en-US" dirty="0"/>
+              <a:t>If these items and actions work, we can later use them to build a game. </a:t>
+            </a:r>
+          </a:p>
+          <a:p>
+            <a:pPr lvl="1"/>
+            <a:r>
+              <a:rPr lang="en-US" dirty="0"/>
+              <a:t>Games have players, players have banks, players hold hands, games have decks, </a:t>
+            </a:r>
+            <a:r>
+              <a:rPr lang="en-US" dirty="0" err="1"/>
+              <a:t>etc</a:t>
+            </a:r>
+            <a:r>
+              <a:rPr lang="en-US" dirty="0"/>
+              <a:t>…</a:t>
+            </a:r>
+          </a:p>
+          <a:p>
+            <a:pPr lvl="1"/>
+            <a:r>
+              <a:rPr lang="en-US" dirty="0"/>
+              <a:t>If the components work, we can also make a different card game more easily, how?</a:t>
+            </a:r>
+          </a:p>
+          <a:p>
+            <a:r>
+              <a:rPr lang="en-US" dirty="0"/>
+              <a:t>Not everything is defined or solved yet, but we have a framework to build on. </a:t>
+            </a:r>
+          </a:p>
+          <a:p>
+            <a:r>
+              <a:rPr lang="en-US" dirty="0"/>
+              <a:t>If something is missing, does it belong here or elsewhere (player, game, </a:t>
+            </a:r>
+            <a:r>
+              <a:rPr lang="en-US" dirty="0" err="1"/>
+              <a:t>etc</a:t>
+            </a:r>
+            <a:r>
+              <a:rPr lang="en-US" dirty="0"/>
+              <a:t>…?)</a:t>
+            </a:r>
+          </a:p>
+        </p:txBody>
+      </p:sp>
+    </p:spTree>
+    <p:extLst>
+      <p:ext uri="{BB962C8B-B14F-4D97-AF65-F5344CB8AC3E}">
+        <p14:creationId xmlns:p14="http://schemas.microsoft.com/office/powerpoint/2010/main" val="2369848873"/>
+      </p:ext>
+    </p:extLst>
+  </p:cSld>
+  <p:clrMapOvr>
+    <a:masterClrMapping/>
+  </p:clrMapOvr>
+</p:sld>
+</file>
+
+<file path=ppt/slides/slide18.xml><?xml version="1.0" encoding="utf-8"?>
+<p:sld xmlns:a="http://schemas.openxmlformats.org/drawingml/2006/main" xmlns:r="http://schemas.openxmlformats.org/officeDocument/2006/relationships" xmlns:p="http://schemas.openxmlformats.org/presentationml/2006/main">
+  <p:cSld>
+    <p:spTree>
+      <p:nvGrpSpPr>
+        <p:cNvPr id="1" name=""/>
+        <p:cNvGrpSpPr/>
+        <p:nvPr/>
+      </p:nvGrpSpPr>
+      <p:grpSpPr>
+        <a:xfrm>
+          <a:off x="0" y="0"/>
+          <a:ext cx="0" cy="0"/>
+          <a:chOff x="0" y="0"/>
+          <a:chExt cx="0" cy="0"/>
+        </a:xfrm>
+      </p:grpSpPr>
+      <p:sp>
+        <p:nvSpPr>
+          <p:cNvPr id="2" name="Title 1">
+            <a:extLst>
+              <a:ext uri="{FF2B5EF4-FFF2-40B4-BE49-F238E27FC236}">
                 <a16:creationId xmlns:a16="http://schemas.microsoft.com/office/drawing/2014/main" id="{0569A17F-CB5B-F1C5-B82B-210045146819}"/>
               </a:ext>
             </a:extLst>
@@ -4875,7 +5258,7 @@
 </p:sld>
 </file>
 
-<file path=ppt/slides/slide17.xml><?xml version="1.0" encoding="utf-8"?>
+<file path=ppt/slides/slide19.xml><?xml version="1.0" encoding="utf-8"?>
 <p:sld xmlns:a="http://schemas.openxmlformats.org/drawingml/2006/main" xmlns:r="http://schemas.openxmlformats.org/officeDocument/2006/relationships" xmlns:p="http://schemas.openxmlformats.org/presentationml/2006/main">
   <p:cSld>
     <p:spTree>
@@ -5044,6 +5427,92 @@
           <p:cNvPr id="2" name="Title 1">
             <a:extLst>
               <a:ext uri="{FF2B5EF4-FFF2-40B4-BE49-F238E27FC236}">
+                <a16:creationId xmlns:a16="http://schemas.microsoft.com/office/drawing/2014/main" id="{C1683802-A1E3-CF23-90F2-E95312E8067A}"/>
+              </a:ext>
+            </a:extLst>
+          </p:cNvPr>
+          <p:cNvSpPr>
+            <a:spLocks noGrp="1"/>
+          </p:cNvSpPr>
+          <p:nvPr>
+            <p:ph type="ctrTitle"/>
+          </p:nvPr>
+        </p:nvSpPr>
+        <p:spPr/>
+        <p:txBody>
+          <a:bodyPr/>
+          <a:lstStyle/>
+          <a:p>
+            <a:r>
+              <a:rPr lang="en-US" dirty="0"/>
+              <a:t>Let’s Play Cards</a:t>
+            </a:r>
+          </a:p>
+        </p:txBody>
+      </p:sp>
+      <p:sp>
+        <p:nvSpPr>
+          <p:cNvPr id="3" name="Subtitle 2">
+            <a:extLst>
+              <a:ext uri="{FF2B5EF4-FFF2-40B4-BE49-F238E27FC236}">
+                <a16:creationId xmlns:a16="http://schemas.microsoft.com/office/drawing/2014/main" id="{402A5117-9EB4-A3DB-C781-AC975D09672B}"/>
+              </a:ext>
+            </a:extLst>
+          </p:cNvPr>
+          <p:cNvSpPr>
+            <a:spLocks noGrp="1"/>
+          </p:cNvSpPr>
+          <p:nvPr>
+            <p:ph type="subTitle" idx="1"/>
+          </p:nvPr>
+        </p:nvSpPr>
+        <p:spPr/>
+        <p:txBody>
+          <a:bodyPr/>
+          <a:lstStyle/>
+          <a:p>
+            <a:r>
+              <a:rPr lang="en-US" dirty="0"/>
+              <a:t>We just have to do all the work First</a:t>
+            </a:r>
+          </a:p>
+        </p:txBody>
+      </p:sp>
+    </p:spTree>
+    <p:extLst>
+      <p:ext uri="{BB962C8B-B14F-4D97-AF65-F5344CB8AC3E}">
+        <p14:creationId xmlns:p14="http://schemas.microsoft.com/office/powerpoint/2010/main" val="3081624792"/>
+      </p:ext>
+    </p:extLst>
+  </p:cSld>
+  <p:clrMapOvr>
+    <a:masterClrMapping/>
+  </p:clrMapOvr>
+</p:sld>
+</file>
+
+<file path=ppt/slides/slide3.xml><?xml version="1.0" encoding="utf-8"?>
+<p:sld xmlns:a="http://schemas.openxmlformats.org/drawingml/2006/main" xmlns:r="http://schemas.openxmlformats.org/officeDocument/2006/relationships" xmlns:p="http://schemas.openxmlformats.org/presentationml/2006/main">
+  <p:cSld>
+    <p:spTree>
+      <p:nvGrpSpPr>
+        <p:cNvPr id="1" name=""/>
+        <p:cNvGrpSpPr/>
+        <p:nvPr/>
+      </p:nvGrpSpPr>
+      <p:grpSpPr>
+        <a:xfrm>
+          <a:off x="0" y="0"/>
+          <a:ext cx="0" cy="0"/>
+          <a:chOff x="0" y="0"/>
+          <a:chExt cx="0" cy="0"/>
+        </a:xfrm>
+      </p:grpSpPr>
+      <p:sp>
+        <p:nvSpPr>
+          <p:cNvPr id="2" name="Title 1">
+            <a:extLst>
+              <a:ext uri="{FF2B5EF4-FFF2-40B4-BE49-F238E27FC236}">
                 <a16:creationId xmlns:a16="http://schemas.microsoft.com/office/drawing/2014/main" id="{9732A63D-F9D0-CEDD-4716-F4B22CC37DDA}"/>
               </a:ext>
             </a:extLst>
@@ -5177,7 +5646,7 @@
 </p:sld>
 </file>
 
-<file path=ppt/slides/slide3.xml><?xml version="1.0" encoding="utf-8"?>
+<file path=ppt/slides/slide4.xml><?xml version="1.0" encoding="utf-8"?>
 <p:sld xmlns:a="http://schemas.openxmlformats.org/drawingml/2006/main" xmlns:r="http://schemas.openxmlformats.org/officeDocument/2006/relationships" xmlns:p="http://schemas.openxmlformats.org/presentationml/2006/main">
   <p:cSld>
     <p:spTree>
@@ -5367,148 +5836,6 @@
 </p:sld>
 </file>
 
-<file path=ppt/slides/slide4.xml><?xml version="1.0" encoding="utf-8"?>
-<p:sld xmlns:a="http://schemas.openxmlformats.org/drawingml/2006/main" xmlns:r="http://schemas.openxmlformats.org/officeDocument/2006/relationships" xmlns:p="http://schemas.openxmlformats.org/presentationml/2006/main">
-  <p:cSld>
-    <p:spTree>
-      <p:nvGrpSpPr>
-        <p:cNvPr id="1" name=""/>
-        <p:cNvGrpSpPr/>
-        <p:nvPr/>
-      </p:nvGrpSpPr>
-      <p:grpSpPr>
-        <a:xfrm>
-          <a:off x="0" y="0"/>
-          <a:ext cx="0" cy="0"/>
-          <a:chOff x="0" y="0"/>
-          <a:chExt cx="0" cy="0"/>
-        </a:xfrm>
-      </p:grpSpPr>
-      <p:sp>
-        <p:nvSpPr>
-          <p:cNvPr id="2" name="Title 1">
-            <a:extLst>
-              <a:ext uri="{FF2B5EF4-FFF2-40B4-BE49-F238E27FC236}">
-                <a16:creationId xmlns:a16="http://schemas.microsoft.com/office/drawing/2014/main" id="{EBAC1CAC-90FD-240B-6580-7A40751FC629}"/>
-              </a:ext>
-            </a:extLst>
-          </p:cNvPr>
-          <p:cNvSpPr>
-            <a:spLocks noGrp="1"/>
-          </p:cNvSpPr>
-          <p:nvPr>
-            <p:ph type="title"/>
-          </p:nvPr>
-        </p:nvSpPr>
-        <p:spPr/>
-        <p:txBody>
-          <a:bodyPr/>
-          <a:lstStyle/>
-          <a:p>
-            <a:r>
-              <a:rPr lang="en-US" dirty="0"/>
-              <a:t>Cards</a:t>
-            </a:r>
-          </a:p>
-        </p:txBody>
-      </p:sp>
-      <p:sp>
-        <p:nvSpPr>
-          <p:cNvPr id="4" name="Content Placeholder 3">
-            <a:extLst>
-              <a:ext uri="{FF2B5EF4-FFF2-40B4-BE49-F238E27FC236}">
-                <a16:creationId xmlns:a16="http://schemas.microsoft.com/office/drawing/2014/main" id="{C79BCFF9-17ED-2856-647C-3C40249DAAD5}"/>
-              </a:ext>
-            </a:extLst>
-          </p:cNvPr>
-          <p:cNvSpPr>
-            <a:spLocks noGrp="1"/>
-          </p:cNvSpPr>
-          <p:nvPr>
-            <p:ph sz="half" idx="1"/>
-          </p:nvPr>
-        </p:nvSpPr>
-        <p:spPr/>
-        <p:txBody>
-          <a:bodyPr/>
-          <a:lstStyle/>
-          <a:p>
-            <a:r>
-              <a:rPr lang="en-US" dirty="0"/>
-              <a:t>Attributes:</a:t>
-            </a:r>
-          </a:p>
-          <a:p>
-            <a:pPr lvl="1"/>
-            <a:r>
-              <a:rPr lang="en-US" dirty="0"/>
-              <a:t>Suit</a:t>
-            </a:r>
-          </a:p>
-          <a:p>
-            <a:pPr lvl="1"/>
-            <a:r>
-              <a:rPr lang="en-US" dirty="0"/>
-              <a:t>Value</a:t>
-            </a:r>
-          </a:p>
-        </p:txBody>
-      </p:sp>
-      <p:sp>
-        <p:nvSpPr>
-          <p:cNvPr id="5" name="Content Placeholder 4">
-            <a:extLst>
-              <a:ext uri="{FF2B5EF4-FFF2-40B4-BE49-F238E27FC236}">
-                <a16:creationId xmlns:a16="http://schemas.microsoft.com/office/drawing/2014/main" id="{92CA2348-AF20-DFCE-C08D-598CA8D80F59}"/>
-              </a:ext>
-            </a:extLst>
-          </p:cNvPr>
-          <p:cNvSpPr>
-            <a:spLocks noGrp="1"/>
-          </p:cNvSpPr>
-          <p:nvPr>
-            <p:ph sz="half" idx="2"/>
-          </p:nvPr>
-        </p:nvSpPr>
-        <p:spPr/>
-        <p:txBody>
-          <a:bodyPr/>
-          <a:lstStyle/>
-          <a:p>
-            <a:r>
-              <a:rPr lang="en-US" dirty="0"/>
-              <a:t>Methods:</a:t>
-            </a:r>
-          </a:p>
-          <a:p>
-            <a:pPr lvl="1"/>
-            <a:r>
-              <a:rPr lang="en-US" dirty="0"/>
-              <a:t>Print</a:t>
-            </a:r>
-          </a:p>
-          <a:p>
-            <a:pPr lvl="1"/>
-            <a:r>
-              <a:rPr lang="en-US" dirty="0"/>
-              <a:t>Comparison functions</a:t>
-            </a:r>
-          </a:p>
-        </p:txBody>
-      </p:sp>
-    </p:spTree>
-    <p:extLst>
-      <p:ext uri="{BB962C8B-B14F-4D97-AF65-F5344CB8AC3E}">
-        <p14:creationId xmlns:p14="http://schemas.microsoft.com/office/powerpoint/2010/main" val="3858771490"/>
-      </p:ext>
-    </p:extLst>
-  </p:cSld>
-  <p:clrMapOvr>
-    <a:masterClrMapping/>
-  </p:clrMapOvr>
-</p:sld>
-</file>
-
 <file path=ppt/slides/slide5.xml><?xml version="1.0" encoding="utf-8"?>
 <p:sld xmlns:a="http://schemas.openxmlformats.org/drawingml/2006/main" xmlns:r="http://schemas.openxmlformats.org/officeDocument/2006/relationships" xmlns:p="http://schemas.openxmlformats.org/presentationml/2006/main">
   <p:cSld>
@@ -5531,7 +5858,7 @@
           <p:cNvPr id="2" name="Title 1">
             <a:extLst>
               <a:ext uri="{FF2B5EF4-FFF2-40B4-BE49-F238E27FC236}">
-                <a16:creationId xmlns:a16="http://schemas.microsoft.com/office/drawing/2014/main" id="{B71B01CD-0017-E722-3B75-50BFDA8D246C}"/>
+                <a16:creationId xmlns:a16="http://schemas.microsoft.com/office/drawing/2014/main" id="{EBAC1CAC-90FD-240B-6580-7A40751FC629}"/>
               </a:ext>
             </a:extLst>
           </p:cNvPr>
@@ -5549,17 +5876,17 @@
           <a:p>
             <a:r>
               <a:rPr lang="en-US" dirty="0"/>
-              <a:t>Deck – a deck Has many Cards</a:t>
-            </a:r>
-          </a:p>
-        </p:txBody>
-      </p:sp>
-      <p:sp>
-        <p:nvSpPr>
-          <p:cNvPr id="3" name="Content Placeholder 2">
+              <a:t>Cards</a:t>
+            </a:r>
+          </a:p>
+        </p:txBody>
+      </p:sp>
+      <p:sp>
+        <p:nvSpPr>
+          <p:cNvPr id="4" name="Content Placeholder 3">
             <a:extLst>
               <a:ext uri="{FF2B5EF4-FFF2-40B4-BE49-F238E27FC236}">
-                <a16:creationId xmlns:a16="http://schemas.microsoft.com/office/drawing/2014/main" id="{9280779F-83D1-0839-D106-45650C84A201}"/>
+                <a16:creationId xmlns:a16="http://schemas.microsoft.com/office/drawing/2014/main" id="{C79BCFF9-17ED-2856-647C-3C40249DAAD5}"/>
               </a:ext>
             </a:extLst>
           </p:cNvPr>
@@ -5584,17 +5911,24 @@
             <a:pPr lvl="1"/>
             <a:r>
               <a:rPr lang="en-US" dirty="0"/>
-              <a:t>Cards in the deck. </a:t>
-            </a:r>
-          </a:p>
-        </p:txBody>
-      </p:sp>
-      <p:sp>
-        <p:nvSpPr>
-          <p:cNvPr id="4" name="Content Placeholder 3">
+              <a:t>Suit</a:t>
+            </a:r>
+          </a:p>
+          <a:p>
+            <a:pPr lvl="1"/>
+            <a:r>
+              <a:rPr lang="en-US" dirty="0"/>
+              <a:t>Value</a:t>
+            </a:r>
+          </a:p>
+        </p:txBody>
+      </p:sp>
+      <p:sp>
+        <p:nvSpPr>
+          <p:cNvPr id="5" name="Content Placeholder 4">
             <a:extLst>
               <a:ext uri="{FF2B5EF4-FFF2-40B4-BE49-F238E27FC236}">
-                <a16:creationId xmlns:a16="http://schemas.microsoft.com/office/drawing/2014/main" id="{6D709471-17C3-05DE-B445-DD5F42C0EFBC}"/>
+                <a16:creationId xmlns:a16="http://schemas.microsoft.com/office/drawing/2014/main" id="{92CA2348-AF20-DFCE-C08D-598CA8D80F59}"/>
               </a:ext>
             </a:extLst>
           </p:cNvPr>
@@ -5619,50 +5953,14 @@
             <a:pPr lvl="1"/>
             <a:r>
               <a:rPr lang="en-US" dirty="0"/>
-              <a:t>Deal out hands. </a:t>
-            </a:r>
-          </a:p>
-          <a:p>
-            <a:pPr lvl="1"/>
-            <a:r>
-              <a:rPr lang="en-US" dirty="0"/>
-              <a:t>Shuffle. </a:t>
-            </a:r>
-          </a:p>
-          <a:p>
-            <a:pPr lvl="1"/>
-            <a:r>
-              <a:rPr lang="en-US" dirty="0"/>
-              <a:t>Number of cards (</a:t>
-            </a:r>
-            <a:r>
-              <a:rPr lang="en-US" dirty="0" err="1"/>
-              <a:t>len</a:t>
-            </a:r>
-            <a:r>
-              <a:rPr lang="en-US" dirty="0"/>
-              <a:t>). </a:t>
-            </a:r>
-          </a:p>
-          <a:p>
-            <a:pPr lvl="1"/>
-            <a:r>
-              <a:rPr lang="en-US" dirty="0"/>
-              <a:t>Add/remove cards. </a:t>
-            </a:r>
-          </a:p>
-          <a:p>
-            <a:pPr lvl="1"/>
-            <a:r>
-              <a:rPr lang="en-US" dirty="0"/>
-              <a:t>Able to be looped.</a:t>
-            </a:r>
-          </a:p>
-          <a:p>
-            <a:pPr lvl="1"/>
-            <a:r>
-              <a:rPr lang="en-US" dirty="0"/>
-              <a:t>Maybe refresh to a fresh deck. </a:t>
+              <a:t>Print</a:t>
+            </a:r>
+          </a:p>
+          <a:p>
+            <a:pPr lvl="1"/>
+            <a:r>
+              <a:rPr lang="en-US" dirty="0"/>
+              <a:t>Comparison functions</a:t>
             </a:r>
           </a:p>
         </p:txBody>
@@ -5670,7 +5968,7 @@
     </p:spTree>
     <p:extLst>
       <p:ext uri="{BB962C8B-B14F-4D97-AF65-F5344CB8AC3E}">
-        <p14:creationId xmlns:p14="http://schemas.microsoft.com/office/powerpoint/2010/main" val="1224126641"/>
+        <p14:creationId xmlns:p14="http://schemas.microsoft.com/office/powerpoint/2010/main" val="3858771490"/>
       </p:ext>
     </p:extLst>
   </p:cSld>
@@ -5702,6 +6000,177 @@
           <p:cNvPr id="2" name="Title 1">
             <a:extLst>
               <a:ext uri="{FF2B5EF4-FFF2-40B4-BE49-F238E27FC236}">
+                <a16:creationId xmlns:a16="http://schemas.microsoft.com/office/drawing/2014/main" id="{B71B01CD-0017-E722-3B75-50BFDA8D246C}"/>
+              </a:ext>
+            </a:extLst>
+          </p:cNvPr>
+          <p:cNvSpPr>
+            <a:spLocks noGrp="1"/>
+          </p:cNvSpPr>
+          <p:nvPr>
+            <p:ph type="title"/>
+          </p:nvPr>
+        </p:nvSpPr>
+        <p:spPr/>
+        <p:txBody>
+          <a:bodyPr/>
+          <a:lstStyle/>
+          <a:p>
+            <a:r>
+              <a:rPr lang="en-US" dirty="0"/>
+              <a:t>Deck – a deck Has many Cards</a:t>
+            </a:r>
+          </a:p>
+        </p:txBody>
+      </p:sp>
+      <p:sp>
+        <p:nvSpPr>
+          <p:cNvPr id="3" name="Content Placeholder 2">
+            <a:extLst>
+              <a:ext uri="{FF2B5EF4-FFF2-40B4-BE49-F238E27FC236}">
+                <a16:creationId xmlns:a16="http://schemas.microsoft.com/office/drawing/2014/main" id="{9280779F-83D1-0839-D106-45650C84A201}"/>
+              </a:ext>
+            </a:extLst>
+          </p:cNvPr>
+          <p:cNvSpPr>
+            <a:spLocks noGrp="1"/>
+          </p:cNvSpPr>
+          <p:nvPr>
+            <p:ph sz="half" idx="1"/>
+          </p:nvPr>
+        </p:nvSpPr>
+        <p:spPr/>
+        <p:txBody>
+          <a:bodyPr/>
+          <a:lstStyle/>
+          <a:p>
+            <a:r>
+              <a:rPr lang="en-US" dirty="0"/>
+              <a:t>Attributes:</a:t>
+            </a:r>
+          </a:p>
+          <a:p>
+            <a:pPr lvl="1"/>
+            <a:r>
+              <a:rPr lang="en-US" dirty="0"/>
+              <a:t>Cards in the deck. </a:t>
+            </a:r>
+          </a:p>
+        </p:txBody>
+      </p:sp>
+      <p:sp>
+        <p:nvSpPr>
+          <p:cNvPr id="4" name="Content Placeholder 3">
+            <a:extLst>
+              <a:ext uri="{FF2B5EF4-FFF2-40B4-BE49-F238E27FC236}">
+                <a16:creationId xmlns:a16="http://schemas.microsoft.com/office/drawing/2014/main" id="{6D709471-17C3-05DE-B445-DD5F42C0EFBC}"/>
+              </a:ext>
+            </a:extLst>
+          </p:cNvPr>
+          <p:cNvSpPr>
+            <a:spLocks noGrp="1"/>
+          </p:cNvSpPr>
+          <p:nvPr>
+            <p:ph sz="half" idx="2"/>
+          </p:nvPr>
+        </p:nvSpPr>
+        <p:spPr/>
+        <p:txBody>
+          <a:bodyPr/>
+          <a:lstStyle/>
+          <a:p>
+            <a:r>
+              <a:rPr lang="en-US" dirty="0"/>
+              <a:t>Methods:</a:t>
+            </a:r>
+          </a:p>
+          <a:p>
+            <a:pPr lvl="1"/>
+            <a:r>
+              <a:rPr lang="en-US" dirty="0"/>
+              <a:t>Deal out hands. </a:t>
+            </a:r>
+          </a:p>
+          <a:p>
+            <a:pPr lvl="1"/>
+            <a:r>
+              <a:rPr lang="en-US" dirty="0"/>
+              <a:t>Shuffle. </a:t>
+            </a:r>
+          </a:p>
+          <a:p>
+            <a:pPr lvl="1"/>
+            <a:r>
+              <a:rPr lang="en-US" dirty="0"/>
+              <a:t>Number of cards (</a:t>
+            </a:r>
+            <a:r>
+              <a:rPr lang="en-US" dirty="0" err="1"/>
+              <a:t>len</a:t>
+            </a:r>
+            <a:r>
+              <a:rPr lang="en-US" dirty="0"/>
+              <a:t>). </a:t>
+            </a:r>
+          </a:p>
+          <a:p>
+            <a:pPr lvl="1"/>
+            <a:r>
+              <a:rPr lang="en-US" dirty="0"/>
+              <a:t>Add/remove cards. </a:t>
+            </a:r>
+          </a:p>
+          <a:p>
+            <a:pPr lvl="1"/>
+            <a:r>
+              <a:rPr lang="en-US" dirty="0"/>
+              <a:t>Able to be looped.</a:t>
+            </a:r>
+          </a:p>
+          <a:p>
+            <a:pPr lvl="1"/>
+            <a:r>
+              <a:rPr lang="en-US" dirty="0"/>
+              <a:t>Maybe refresh to a fresh deck. </a:t>
+            </a:r>
+          </a:p>
+        </p:txBody>
+      </p:sp>
+    </p:spTree>
+    <p:extLst>
+      <p:ext uri="{BB962C8B-B14F-4D97-AF65-F5344CB8AC3E}">
+        <p14:creationId xmlns:p14="http://schemas.microsoft.com/office/powerpoint/2010/main" val="1224126641"/>
+      </p:ext>
+    </p:extLst>
+  </p:cSld>
+  <p:clrMapOvr>
+    <a:masterClrMapping/>
+  </p:clrMapOvr>
+</p:sld>
+</file>
+
+<file path=ppt/slides/slide7.xml><?xml version="1.0" encoding="utf-8"?>
+<p:sld xmlns:a="http://schemas.openxmlformats.org/drawingml/2006/main" xmlns:r="http://schemas.openxmlformats.org/officeDocument/2006/relationships" xmlns:p="http://schemas.openxmlformats.org/presentationml/2006/main">
+  <p:cSld>
+    <p:spTree>
+      <p:nvGrpSpPr>
+        <p:cNvPr id="1" name=""/>
+        <p:cNvGrpSpPr/>
+        <p:nvPr/>
+      </p:nvGrpSpPr>
+      <p:grpSpPr>
+        <a:xfrm>
+          <a:off x="0" y="0"/>
+          <a:ext cx="0" cy="0"/>
+          <a:chOff x="0" y="0"/>
+          <a:chExt cx="0" cy="0"/>
+        </a:xfrm>
+      </p:grpSpPr>
+      <p:sp>
+        <p:nvSpPr>
+          <p:cNvPr id="2" name="Title 1">
+            <a:extLst>
+              <a:ext uri="{FF2B5EF4-FFF2-40B4-BE49-F238E27FC236}">
                 <a16:creationId xmlns:a16="http://schemas.microsoft.com/office/drawing/2014/main" id="{89C28026-DED7-28E4-21B4-D91CEB87A48C}"/>
               </a:ext>
             </a:extLst>
@@ -5826,7 +6295,7 @@
 </p:sld>
 </file>
 
-<file path=ppt/slides/slide7.xml><?xml version="1.0" encoding="utf-8"?>
+<file path=ppt/slides/slide8.xml><?xml version="1.0" encoding="utf-8"?>
 <p:sld xmlns:a="http://schemas.openxmlformats.org/drawingml/2006/main" xmlns:r="http://schemas.openxmlformats.org/officeDocument/2006/relationships" xmlns:p="http://schemas.openxmlformats.org/presentationml/2006/main">
   <p:cSld>
     <p:spTree>
@@ -5979,158 +6448,6 @@
 </p:sld>
 </file>
 
-<file path=ppt/slides/slide8.xml><?xml version="1.0" encoding="utf-8"?>
-<p:sld xmlns:a="http://schemas.openxmlformats.org/drawingml/2006/main" xmlns:r="http://schemas.openxmlformats.org/officeDocument/2006/relationships" xmlns:p="http://schemas.openxmlformats.org/presentationml/2006/main">
-  <p:cSld>
-    <p:spTree>
-      <p:nvGrpSpPr>
-        <p:cNvPr id="1" name=""/>
-        <p:cNvGrpSpPr/>
-        <p:nvPr/>
-      </p:nvGrpSpPr>
-      <p:grpSpPr>
-        <a:xfrm>
-          <a:off x="0" y="0"/>
-          <a:ext cx="0" cy="0"/>
-          <a:chOff x="0" y="0"/>
-          <a:chExt cx="0" cy="0"/>
-        </a:xfrm>
-      </p:grpSpPr>
-      <p:sp>
-        <p:nvSpPr>
-          <p:cNvPr id="5" name="Title 4">
-            <a:extLst>
-              <a:ext uri="{FF2B5EF4-FFF2-40B4-BE49-F238E27FC236}">
-                <a16:creationId xmlns:a16="http://schemas.microsoft.com/office/drawing/2014/main" id="{1E6FFE05-9563-8056-8E49-EC352234F7DE}"/>
-              </a:ext>
-            </a:extLst>
-          </p:cNvPr>
-          <p:cNvSpPr>
-            <a:spLocks noGrp="1"/>
-          </p:cNvSpPr>
-          <p:nvPr>
-            <p:ph type="title"/>
-          </p:nvPr>
-        </p:nvSpPr>
-        <p:spPr/>
-        <p:txBody>
-          <a:bodyPr/>
-          <a:lstStyle/>
-          <a:p>
-            <a:r>
-              <a:rPr lang="en-US" dirty="0"/>
-              <a:t>Logic thus far</a:t>
-            </a:r>
-          </a:p>
-        </p:txBody>
-      </p:sp>
-      <p:sp>
-        <p:nvSpPr>
-          <p:cNvPr id="6" name="Content Placeholder 5">
-            <a:extLst>
-              <a:ext uri="{FF2B5EF4-FFF2-40B4-BE49-F238E27FC236}">
-                <a16:creationId xmlns:a16="http://schemas.microsoft.com/office/drawing/2014/main" id="{A311C937-6346-52CC-EFAC-2219D8775CAC}"/>
-              </a:ext>
-            </a:extLst>
-          </p:cNvPr>
-          <p:cNvSpPr>
-            <a:spLocks noGrp="1"/>
-          </p:cNvSpPr>
-          <p:nvPr>
-            <p:ph idx="1"/>
-          </p:nvPr>
-        </p:nvSpPr>
-        <p:spPr>
-          <a:xfrm>
-            <a:off x="1451579" y="1853754"/>
-            <a:ext cx="9603275" cy="4273669"/>
-          </a:xfrm>
-        </p:spPr>
-        <p:txBody>
-          <a:bodyPr>
-            <a:normAutofit lnSpcReduction="10000"/>
-          </a:bodyPr>
-          <a:lstStyle/>
-          <a:p>
-            <a:r>
-              <a:rPr lang="en-US" dirty="0"/>
-              <a:t>I am trying to model the needs of poker into the objects in my code. </a:t>
-            </a:r>
-          </a:p>
-          <a:p>
-            <a:r>
-              <a:rPr lang="en-US" dirty="0"/>
-              <a:t>Start with two main types of objects:</a:t>
-            </a:r>
-          </a:p>
-          <a:p>
-            <a:pPr lvl="1"/>
-            <a:r>
-              <a:rPr lang="en-US" dirty="0"/>
-              <a:t>Cards – each card is represented by a card object. </a:t>
-            </a:r>
-          </a:p>
-          <a:p>
-            <a:pPr lvl="1"/>
-            <a:r>
-              <a:rPr lang="en-US" dirty="0"/>
-              <a:t>Decks – a grouping of cards. </a:t>
-            </a:r>
-          </a:p>
-          <a:p>
-            <a:r>
-              <a:rPr lang="en-US" dirty="0"/>
-              <a:t>The deck concept can be expanded on:</a:t>
-            </a:r>
-          </a:p>
-          <a:p>
-            <a:pPr lvl="1"/>
-            <a:r>
-              <a:rPr lang="en-US" dirty="0"/>
-              <a:t>Any grouping of cards is a deck, and shares key characteristics (holds cards). </a:t>
-            </a:r>
-          </a:p>
-          <a:p>
-            <a:pPr lvl="1"/>
-            <a:r>
-              <a:rPr lang="en-US" dirty="0"/>
-              <a:t>A specific type of grouping is a hand – a set of cards a player holds. </a:t>
-            </a:r>
-          </a:p>
-          <a:p>
-            <a:pPr lvl="1"/>
-            <a:r>
-              <a:rPr lang="en-US" dirty="0"/>
-              <a:t>Hands add a bunch of stuff like comparisons to allow play to work. </a:t>
-            </a:r>
-          </a:p>
-          <a:p>
-            <a:r>
-              <a:rPr lang="en-US" dirty="0"/>
-              <a:t>What goes where and the relationships between objects may still change. </a:t>
-            </a:r>
-          </a:p>
-          <a:p>
-            <a:r>
-              <a:rPr lang="en-US" dirty="0"/>
-              <a:t>This could be solved differently, e.g. hand and deck don’t need to be child/parent. </a:t>
-            </a:r>
-          </a:p>
-        </p:txBody>
-      </p:sp>
-    </p:spTree>
-    <p:extLst>
-      <p:ext uri="{BB962C8B-B14F-4D97-AF65-F5344CB8AC3E}">
-        <p14:creationId xmlns:p14="http://schemas.microsoft.com/office/powerpoint/2010/main" val="1467205496"/>
-      </p:ext>
-    </p:extLst>
-  </p:cSld>
-  <p:clrMapOvr>
-    <a:masterClrMapping/>
-  </p:clrMapOvr>
-</p:sld>
-</file>
-
 <file path=ppt/slides/slide9.xml><?xml version="1.0" encoding="utf-8"?>
 <p:sld xmlns:a="http://schemas.openxmlformats.org/drawingml/2006/main" xmlns:r="http://schemas.openxmlformats.org/officeDocument/2006/relationships" xmlns:p="http://schemas.openxmlformats.org/presentationml/2006/main">
   <p:cSld>
@@ -6150,10 +6467,10 @@
       </p:grpSpPr>
       <p:sp>
         <p:nvSpPr>
-          <p:cNvPr id="2" name="Title 1">
+          <p:cNvPr id="5" name="Title 4">
             <a:extLst>
               <a:ext uri="{FF2B5EF4-FFF2-40B4-BE49-F238E27FC236}">
-                <a16:creationId xmlns:a16="http://schemas.microsoft.com/office/drawing/2014/main" id="{BD995E68-AAC4-5020-A474-BE3EFD63ED54}"/>
+                <a16:creationId xmlns:a16="http://schemas.microsoft.com/office/drawing/2014/main" id="{1E6FFE05-9563-8056-8E49-EC352234F7DE}"/>
               </a:ext>
             </a:extLst>
           </p:cNvPr>
@@ -6171,17 +6488,17 @@
           <a:p>
             <a:r>
               <a:rPr lang="en-US" dirty="0"/>
-              <a:t>Development Process</a:t>
-            </a:r>
-          </a:p>
-        </p:txBody>
-      </p:sp>
-      <p:sp>
-        <p:nvSpPr>
-          <p:cNvPr id="3" name="Content Placeholder 2">
+              <a:t>Logic thus far</a:t>
+            </a:r>
+          </a:p>
+        </p:txBody>
+      </p:sp>
+      <p:sp>
+        <p:nvSpPr>
+          <p:cNvPr id="6" name="Content Placeholder 5">
             <a:extLst>
               <a:ext uri="{FF2B5EF4-FFF2-40B4-BE49-F238E27FC236}">
-                <a16:creationId xmlns:a16="http://schemas.microsoft.com/office/drawing/2014/main" id="{30A3BB49-7426-F89D-0AF8-B806E21FD0BA}"/>
+                <a16:creationId xmlns:a16="http://schemas.microsoft.com/office/drawing/2014/main" id="{A311C937-6346-52CC-EFAC-2219D8775CAC}"/>
               </a:ext>
             </a:extLst>
           </p:cNvPr>
@@ -6194,72 +6511,78 @@
         </p:nvSpPr>
         <p:spPr>
           <a:xfrm>
-            <a:off x="1451579" y="2015732"/>
-            <a:ext cx="9603275" cy="4037749"/>
+            <a:off x="1451579" y="1853754"/>
+            <a:ext cx="9603275" cy="4273669"/>
           </a:xfrm>
         </p:spPr>
         <p:txBody>
-          <a:bodyPr/>
-          <a:lstStyle/>
-          <a:p>
-            <a:r>
-              <a:rPr lang="en-US" dirty="0"/>
-              <a:t>We have an idea now of the core objects we need and how they relate. </a:t>
-            </a:r>
-          </a:p>
-          <a:p>
-            <a:r>
-              <a:rPr lang="en-US" dirty="0"/>
-              <a:t>We can start thinking of development. </a:t>
-            </a:r>
-          </a:p>
-          <a:p>
-            <a:pPr lvl="1"/>
-            <a:r>
-              <a:rPr lang="en-US" dirty="0"/>
-              <a:t>What functionality needs to be present in these things? </a:t>
-            </a:r>
-          </a:p>
-          <a:p>
-            <a:pPr lvl="2"/>
-            <a:r>
-              <a:rPr lang="en-US" dirty="0"/>
-              <a:t>Make decks, compare cards/decks, shuffle into hands, </a:t>
-            </a:r>
-            <a:r>
-              <a:rPr lang="en-US" dirty="0" err="1"/>
-              <a:t>etc</a:t>
-            </a:r>
-            <a:r>
-              <a:rPr lang="en-US" dirty="0"/>
-              <a:t>…</a:t>
-            </a:r>
-          </a:p>
-          <a:p>
-            <a:pPr lvl="1"/>
-            <a:r>
-              <a:rPr lang="en-US" dirty="0"/>
-              <a:t>Where does each part of the functionality lie?</a:t>
-            </a:r>
-          </a:p>
-          <a:p>
-            <a:pPr lvl="1"/>
-            <a:r>
-              <a:rPr lang="en-US" dirty="0"/>
-              <a:t>What can we do to verify that it works – here we are checking if the things we make will both run without error and that they follow the rules/functionality of poker. </a:t>
-            </a:r>
-          </a:p>
-          <a:p>
-            <a:r>
-              <a:rPr lang="en-US" dirty="0"/>
-              <a:t>We can start at the bottom, and move up the chain. </a:t>
-            </a:r>
-          </a:p>
-          <a:p>
-            <a:pPr lvl="1"/>
-            <a:r>
-              <a:rPr lang="en-US" dirty="0"/>
-              <a:t>If the card works, we can assume it’ll work when building decks, and so on… </a:t>
+          <a:bodyPr>
+            <a:normAutofit lnSpcReduction="10000"/>
+          </a:bodyPr>
+          <a:lstStyle/>
+          <a:p>
+            <a:r>
+              <a:rPr lang="en-US" dirty="0"/>
+              <a:t>I am trying to model the needs of poker into the objects in my code. </a:t>
+            </a:r>
+          </a:p>
+          <a:p>
+            <a:r>
+              <a:rPr lang="en-US" dirty="0"/>
+              <a:t>Start with two main types of objects:</a:t>
+            </a:r>
+          </a:p>
+          <a:p>
+            <a:pPr lvl="1"/>
+            <a:r>
+              <a:rPr lang="en-US" dirty="0"/>
+              <a:t>Cards – each card is represented by a card object. </a:t>
+            </a:r>
+          </a:p>
+          <a:p>
+            <a:pPr lvl="1"/>
+            <a:r>
+              <a:rPr lang="en-US" dirty="0"/>
+              <a:t>Decks – a grouping of cards. </a:t>
+            </a:r>
+          </a:p>
+          <a:p>
+            <a:r>
+              <a:rPr lang="en-US" dirty="0"/>
+              <a:t>The deck concept can be expanded on:</a:t>
+            </a:r>
+          </a:p>
+          <a:p>
+            <a:pPr lvl="1"/>
+            <a:r>
+              <a:rPr lang="en-US" dirty="0"/>
+              <a:t>Any grouping of cards is a deck, and shares key characteristics (holds cards). </a:t>
+            </a:r>
+          </a:p>
+          <a:p>
+            <a:pPr lvl="1"/>
+            <a:r>
+              <a:rPr lang="en-US" dirty="0"/>
+              <a:t>A specific type of grouping is a hand – a set of cards a player holds. </a:t>
+            </a:r>
+          </a:p>
+          <a:p>
+            <a:pPr lvl="1"/>
+            <a:r>
+              <a:rPr lang="en-US" dirty="0"/>
+              <a:t>Hands add a bunch of stuff like comparisons to allow play to work. </a:t>
+            </a:r>
+          </a:p>
+          <a:p>
+            <a:r>
+              <a:rPr lang="en-US" dirty="0"/>
+              <a:t>What goes where and the relationships between objects may still change. </a:t>
+            </a:r>
+          </a:p>
+          <a:p>
+            <a:r>
+              <a:rPr lang="en-US" dirty="0"/>
+              <a:t>This could be solved differently, e.g. hand and deck don’t need to be child/parent. </a:t>
             </a:r>
           </a:p>
         </p:txBody>
@@ -6267,7 +6590,7 @@
     </p:spTree>
     <p:extLst>
       <p:ext uri="{BB962C8B-B14F-4D97-AF65-F5344CB8AC3E}">
-        <p14:creationId xmlns:p14="http://schemas.microsoft.com/office/powerpoint/2010/main" val="3321087527"/>
+        <p14:creationId xmlns:p14="http://schemas.microsoft.com/office/powerpoint/2010/main" val="1467205496"/>
       </p:ext>
     </p:extLst>
   </p:cSld>

--- a/reference_material/slides/017_cards_intro_review.pptx
+++ b/reference_material/slides/017_cards_intro_review.pptx
@@ -3706,11 +3706,7 @@
             <a:pPr lvl="1"/>
             <a:r>
               <a:rPr lang="en-US" dirty="0"/>
-              <a:t>We are supposed to get counts for Mark, they need to do </a:t>
-            </a:r>
-            <a:r>
-              <a:rPr lang="en-US"/>
-              <a:t>ticket stuff. </a:t>
+              <a:t>We are supposed to get counts for Mark, they need to do ticket stuff. There’s a teams poll, please do it if you don’t mind. </a:t>
             </a:r>
           </a:p>
           <a:p>
